--- a/Презентация/Боевая/Раздатка.pptx
+++ b/Презентация/Боевая/Раздатка.pptx
@@ -10,10 +10,12 @@
     <p:sldId id="258" r:id="rId4"/>
     <p:sldId id="259" r:id="rId5"/>
     <p:sldId id="260" r:id="rId6"/>
-    <p:sldId id="261" r:id="rId7"/>
-    <p:sldId id="264" r:id="rId8"/>
-    <p:sldId id="262" r:id="rId9"/>
-    <p:sldId id="265" r:id="rId10"/>
+    <p:sldId id="267" r:id="rId7"/>
+    <p:sldId id="266" r:id="rId8"/>
+    <p:sldId id="264" r:id="rId9"/>
+    <p:sldId id="261" r:id="rId10"/>
+    <p:sldId id="262" r:id="rId11"/>
+    <p:sldId id="265" r:id="rId12"/>
   </p:sldIdLst>
   <p:sldSz cx="9144000" cy="6858000" type="screen4x3"/>
   <p:notesSz cx="6858000" cy="9144000"/>
@@ -3297,6 +3299,898 @@
 </p:sld>
 </file>
 
+<file path=ppt/slides/slide10.xml><?xml version="1.0" encoding="utf-8"?>
+<p:sld xmlns:a="http://schemas.openxmlformats.org/drawingml/2006/main" xmlns:r="http://schemas.openxmlformats.org/officeDocument/2006/relationships" xmlns:p="http://schemas.openxmlformats.org/presentationml/2006/main">
+  <p:cSld>
+    <p:spTree>
+      <p:nvGrpSpPr>
+        <p:cNvPr id="1" name=""/>
+        <p:cNvGrpSpPr/>
+        <p:nvPr/>
+      </p:nvGrpSpPr>
+      <p:grpSpPr>
+        <a:xfrm>
+          <a:off x="0" y="0"/>
+          <a:ext cx="0" cy="0"/>
+          <a:chOff x="0" y="0"/>
+          <a:chExt cx="0" cy="0"/>
+        </a:xfrm>
+      </p:grpSpPr>
+      <p:sp>
+        <p:nvSpPr>
+          <p:cNvPr id="4" name="Прямоугольник 3"/>
+          <p:cNvSpPr/>
+          <p:nvPr/>
+        </p:nvSpPr>
+        <p:spPr>
+          <a:xfrm>
+            <a:off x="107504" y="116632"/>
+            <a:ext cx="8928992" cy="6552728"/>
+          </a:xfrm>
+          <a:prstGeom prst="rect">
+            <a:avLst/>
+          </a:prstGeom>
+          <a:noFill/>
+          <a:ln>
+            <a:solidFill>
+              <a:schemeClr val="tx1"/>
+            </a:solidFill>
+          </a:ln>
+        </p:spPr>
+        <p:style>
+          <a:lnRef idx="2">
+            <a:schemeClr val="accent1">
+              <a:shade val="50000"/>
+            </a:schemeClr>
+          </a:lnRef>
+          <a:fillRef idx="1">
+            <a:schemeClr val="accent1"/>
+          </a:fillRef>
+          <a:effectRef idx="0">
+            <a:schemeClr val="accent1"/>
+          </a:effectRef>
+          <a:fontRef idx="minor">
+            <a:schemeClr val="lt1"/>
+          </a:fontRef>
+        </p:style>
+        <p:txBody>
+          <a:bodyPr rtlCol="0" anchor="ctr"/>
+          <a:lstStyle/>
+          <a:p>
+            <a:pPr algn="ctr"/>
+            <a:endParaRPr lang="ru-RU" dirty="0"/>
+          </a:p>
+        </p:txBody>
+      </p:sp>
+      <p:sp>
+        <p:nvSpPr>
+          <p:cNvPr id="7" name="Заголовок 1"/>
+          <p:cNvSpPr txBox="1">
+            <a:spLocks/>
+          </p:cNvSpPr>
+          <p:nvPr/>
+        </p:nvSpPr>
+        <p:spPr>
+          <a:xfrm>
+            <a:off x="457200" y="116632"/>
+            <a:ext cx="8229600" cy="648072"/>
+          </a:xfrm>
+          <a:prstGeom prst="rect">
+            <a:avLst/>
+          </a:prstGeom>
+        </p:spPr>
+        <p:txBody>
+          <a:bodyPr vert="horz" lIns="91440" tIns="45720" rIns="91440" bIns="45720" rtlCol="0" anchor="ctr">
+            <a:normAutofit/>
+          </a:bodyPr>
+          <a:lstStyle/>
+          <a:p>
+            <a:pPr lvl="0" algn="ctr">
+              <a:spcBef>
+                <a:spcPct val="0"/>
+              </a:spcBef>
+            </a:pPr>
+            <a:r>
+              <a:rPr lang="ru-RU" sz="3200" dirty="0" smtClean="0"/>
+              <a:t>Результаты и выводы</a:t>
+            </a:r>
+            <a:endParaRPr kumimoji="0" lang="ru-RU" sz="3200" b="0" i="0" u="none" strike="noStrike" kern="1200" cap="none" spc="0" normalizeH="0" baseline="0" noProof="0" dirty="0" smtClean="0">
+              <a:ln>
+                <a:noFill/>
+              </a:ln>
+              <a:solidFill>
+                <a:schemeClr val="tx1"/>
+              </a:solidFill>
+              <a:effectLst/>
+              <a:uLnTx/>
+              <a:uFillTx/>
+              <a:latin typeface="+mj-lt"/>
+              <a:ea typeface="+mj-ea"/>
+              <a:cs typeface="+mj-cs"/>
+            </a:endParaRPr>
+          </a:p>
+        </p:txBody>
+      </p:sp>
+      <p:sp>
+        <p:nvSpPr>
+          <p:cNvPr id="8" name="Прямоугольник 7"/>
+          <p:cNvSpPr/>
+          <p:nvPr/>
+        </p:nvSpPr>
+        <p:spPr>
+          <a:xfrm>
+            <a:off x="6012160" y="5734997"/>
+            <a:ext cx="2808312" cy="646331"/>
+          </a:xfrm>
+          <a:prstGeom prst="rect">
+            <a:avLst/>
+          </a:prstGeom>
+        </p:spPr>
+        <p:txBody>
+          <a:bodyPr wrap="square">
+            <a:spAutoFit/>
+          </a:bodyPr>
+          <a:lstStyle/>
+          <a:p>
+            <a:pPr algn="ctr"/>
+            <a:r>
+              <a:rPr lang="ru-RU" dirty="0" smtClean="0">
+                <a:latin typeface="Arial" pitchFamily="34" charset="0"/>
+                <a:cs typeface="Arial" pitchFamily="34" charset="0"/>
+              </a:rPr>
+              <a:t>Актуальность</a:t>
+            </a:r>
+          </a:p>
+          <a:p>
+            <a:pPr algn="ctr"/>
+            <a:r>
+              <a:rPr lang="ru-RU" dirty="0" smtClean="0">
+                <a:latin typeface="Arial" pitchFamily="34" charset="0"/>
+                <a:cs typeface="Arial" pitchFamily="34" charset="0"/>
+              </a:rPr>
+              <a:t>данных</a:t>
+            </a:r>
+            <a:endParaRPr lang="ru-RU" dirty="0"/>
+          </a:p>
+        </p:txBody>
+      </p:sp>
+      <p:sp>
+        <p:nvSpPr>
+          <p:cNvPr id="10" name="Прямоугольник 9"/>
+          <p:cNvSpPr/>
+          <p:nvPr/>
+        </p:nvSpPr>
+        <p:spPr>
+          <a:xfrm>
+            <a:off x="369599" y="2708920"/>
+            <a:ext cx="2114169" cy="646331"/>
+          </a:xfrm>
+          <a:prstGeom prst="rect">
+            <a:avLst/>
+          </a:prstGeom>
+        </p:spPr>
+        <p:txBody>
+          <a:bodyPr wrap="none">
+            <a:spAutoFit/>
+          </a:bodyPr>
+          <a:lstStyle/>
+          <a:p>
+            <a:pPr algn="ctr"/>
+            <a:r>
+              <a:rPr lang="ru-RU" dirty="0" smtClean="0">
+                <a:latin typeface="Arial" pitchFamily="34" charset="0"/>
+                <a:cs typeface="Arial" pitchFamily="34" charset="0"/>
+              </a:rPr>
+              <a:t>299 управляющих</a:t>
+            </a:r>
+          </a:p>
+          <a:p>
+            <a:pPr algn="ctr"/>
+            <a:r>
+              <a:rPr lang="ru-RU" dirty="0" smtClean="0">
+                <a:latin typeface="Arial" pitchFamily="34" charset="0"/>
+                <a:cs typeface="Arial" pitchFamily="34" charset="0"/>
+              </a:rPr>
+              <a:t>организаций</a:t>
+            </a:r>
+            <a:endParaRPr lang="ru-RU" dirty="0"/>
+          </a:p>
+        </p:txBody>
+      </p:sp>
+      <p:pic>
+        <p:nvPicPr>
+          <p:cNvPr id="3074" name="Picture 2" descr="http://www.cliparthut.com/clip-arts/337/tired-person-337914.gif"/>
+          <p:cNvPicPr>
+            <a:picLocks noChangeAspect="1" noChangeArrowheads="1"/>
+          </p:cNvPicPr>
+          <p:nvPr/>
+        </p:nvPicPr>
+        <p:blipFill>
+          <a:blip r:embed="rId2" cstate="print">
+            <a:grayscl/>
+          </a:blip>
+          <a:srcRect/>
+          <a:stretch>
+            <a:fillRect/>
+          </a:stretch>
+        </p:blipFill>
+        <p:spPr bwMode="auto">
+          <a:xfrm>
+            <a:off x="395536" y="3546660"/>
+            <a:ext cx="2185110" cy="2186596"/>
+          </a:xfrm>
+          <a:prstGeom prst="rect">
+            <a:avLst/>
+          </a:prstGeom>
+          <a:noFill/>
+        </p:spPr>
+      </p:pic>
+      <p:pic>
+        <p:nvPicPr>
+          <p:cNvPr id="3076" name="Picture 4" descr="http://www.datingacademy.ru/wp-content/uploads/2010/07/happy_man_at_computer2.jpg"/>
+          <p:cNvPicPr>
+            <a:picLocks noChangeAspect="1" noChangeArrowheads="1"/>
+          </p:cNvPicPr>
+          <p:nvPr/>
+        </p:nvPicPr>
+        <p:blipFill>
+          <a:blip r:embed="rId3" cstate="print">
+            <a:grayscl/>
+          </a:blip>
+          <a:srcRect/>
+          <a:stretch>
+            <a:fillRect/>
+          </a:stretch>
+        </p:blipFill>
+        <p:spPr bwMode="auto">
+          <a:xfrm>
+            <a:off x="3352101" y="3500585"/>
+            <a:ext cx="2300019" cy="2376687"/>
+          </a:xfrm>
+          <a:prstGeom prst="rect">
+            <a:avLst/>
+          </a:prstGeom>
+          <a:noFill/>
+        </p:spPr>
+      </p:pic>
+      <p:sp>
+        <p:nvSpPr>
+          <p:cNvPr id="13" name="Прямоугольник 12"/>
+          <p:cNvSpPr/>
+          <p:nvPr/>
+        </p:nvSpPr>
+        <p:spPr>
+          <a:xfrm>
+            <a:off x="2987824" y="2782669"/>
+            <a:ext cx="2695097" cy="646331"/>
+          </a:xfrm>
+          <a:prstGeom prst="rect">
+            <a:avLst/>
+          </a:prstGeom>
+        </p:spPr>
+        <p:txBody>
+          <a:bodyPr wrap="none">
+            <a:spAutoFit/>
+          </a:bodyPr>
+          <a:lstStyle/>
+          <a:p>
+            <a:pPr algn="ctr"/>
+            <a:r>
+              <a:rPr lang="en-US" dirty="0" smtClean="0">
+                <a:latin typeface="Arial" pitchFamily="34" charset="0"/>
+                <a:cs typeface="Arial" pitchFamily="34" charset="0"/>
+              </a:rPr>
+              <a:t>6770 </a:t>
+            </a:r>
+            <a:r>
+              <a:rPr lang="ru-RU" dirty="0" smtClean="0">
+                <a:latin typeface="Arial" pitchFamily="34" charset="0"/>
+                <a:cs typeface="Arial" pitchFamily="34" charset="0"/>
+              </a:rPr>
+              <a:t>многоквартирных </a:t>
+            </a:r>
+          </a:p>
+          <a:p>
+            <a:pPr algn="ctr"/>
+            <a:r>
+              <a:rPr lang="ru-RU" dirty="0" smtClean="0">
+                <a:latin typeface="Arial" pitchFamily="34" charset="0"/>
+                <a:cs typeface="Arial" pitchFamily="34" charset="0"/>
+              </a:rPr>
+              <a:t>домов</a:t>
+            </a:r>
+            <a:endParaRPr lang="ru-RU" dirty="0"/>
+          </a:p>
+        </p:txBody>
+      </p:sp>
+      <p:pic>
+        <p:nvPicPr>
+          <p:cNvPr id="3080" name="Picture 8" descr="http://okna-nice.ru/images/okna_v_panelnii_dom.png"/>
+          <p:cNvPicPr>
+            <a:picLocks noChangeAspect="1" noChangeArrowheads="1"/>
+          </p:cNvPicPr>
+          <p:nvPr/>
+        </p:nvPicPr>
+        <p:blipFill>
+          <a:blip r:embed="rId4" cstate="print">
+            <a:grayscl/>
+          </a:blip>
+          <a:srcRect/>
+          <a:stretch>
+            <a:fillRect/>
+          </a:stretch>
+        </p:blipFill>
+        <p:spPr bwMode="auto">
+          <a:xfrm>
+            <a:off x="2916493" y="801216"/>
+            <a:ext cx="2735627" cy="2051720"/>
+          </a:xfrm>
+          <a:prstGeom prst="rect">
+            <a:avLst/>
+          </a:prstGeom>
+          <a:noFill/>
+        </p:spPr>
+      </p:pic>
+      <p:sp>
+        <p:nvSpPr>
+          <p:cNvPr id="16" name="Прямоугольник 15"/>
+          <p:cNvSpPr/>
+          <p:nvPr/>
+        </p:nvSpPr>
+        <p:spPr>
+          <a:xfrm>
+            <a:off x="899592" y="5879013"/>
+            <a:ext cx="4104456" cy="646331"/>
+          </a:xfrm>
+          <a:prstGeom prst="rect">
+            <a:avLst/>
+          </a:prstGeom>
+        </p:spPr>
+        <p:txBody>
+          <a:bodyPr wrap="square">
+            <a:spAutoFit/>
+          </a:bodyPr>
+          <a:lstStyle/>
+          <a:p>
+            <a:pPr algn="ctr"/>
+            <a:r>
+              <a:rPr lang="ru-RU" dirty="0" smtClean="0">
+                <a:latin typeface="Arial" pitchFamily="34" charset="0"/>
+                <a:cs typeface="Arial" pitchFamily="34" charset="0"/>
+              </a:rPr>
+              <a:t>Пользователи УК взаимодействуют только с «АИС: Объектовый учет»</a:t>
+            </a:r>
+            <a:endParaRPr lang="ru-RU" dirty="0"/>
+          </a:p>
+        </p:txBody>
+      </p:sp>
+      <p:pic>
+        <p:nvPicPr>
+          <p:cNvPr id="3082" name="Picture 10" descr="http://www.clker.com/cliparts/1/0/b/c/12161811981124042195jean_victor_balin_icon_arrow_right_blue.svg.hi.png"/>
+          <p:cNvPicPr>
+            <a:picLocks noChangeAspect="1" noChangeArrowheads="1"/>
+          </p:cNvPicPr>
+          <p:nvPr/>
+        </p:nvPicPr>
+        <p:blipFill>
+          <a:blip r:embed="rId5" cstate="print">
+            <a:grayscl/>
+          </a:blip>
+          <a:srcRect/>
+          <a:stretch>
+            <a:fillRect/>
+          </a:stretch>
+        </p:blipFill>
+        <p:spPr bwMode="auto">
+          <a:xfrm>
+            <a:off x="2627784" y="4493278"/>
+            <a:ext cx="648072" cy="591906"/>
+          </a:xfrm>
+          <a:prstGeom prst="rect">
+            <a:avLst/>
+          </a:prstGeom>
+          <a:noFill/>
+        </p:spPr>
+      </p:pic>
+      <p:pic>
+        <p:nvPicPr>
+          <p:cNvPr id="18" name="Picture 4" descr="http://files.softicons.com/download/business-icons/desktop-business-icons-by-aha-soft/png/256x256/case.png"/>
+          <p:cNvPicPr>
+            <a:picLocks noChangeAspect="1" noChangeArrowheads="1"/>
+          </p:cNvPicPr>
+          <p:nvPr/>
+        </p:nvPicPr>
+        <p:blipFill>
+          <a:blip r:embed="rId6" cstate="print">
+            <a:grayscl/>
+          </a:blip>
+          <a:srcRect/>
+          <a:stretch>
+            <a:fillRect/>
+          </a:stretch>
+        </p:blipFill>
+        <p:spPr bwMode="auto">
+          <a:xfrm>
+            <a:off x="539552" y="836712"/>
+            <a:ext cx="1800200" cy="1800200"/>
+          </a:xfrm>
+          <a:prstGeom prst="rect">
+            <a:avLst/>
+          </a:prstGeom>
+          <a:noFill/>
+        </p:spPr>
+      </p:pic>
+      <p:pic>
+        <p:nvPicPr>
+          <p:cNvPr id="3088" name="Picture 16" descr="http://pngimg.com/upload/clock_PNG6611.png"/>
+          <p:cNvPicPr>
+            <a:picLocks noChangeAspect="1" noChangeArrowheads="1"/>
+          </p:cNvPicPr>
+          <p:nvPr/>
+        </p:nvPicPr>
+        <p:blipFill>
+          <a:blip r:embed="rId7" cstate="print">
+            <a:grayscl/>
+          </a:blip>
+          <a:srcRect/>
+          <a:stretch>
+            <a:fillRect/>
+          </a:stretch>
+        </p:blipFill>
+        <p:spPr bwMode="auto">
+          <a:xfrm>
+            <a:off x="6516216" y="3861048"/>
+            <a:ext cx="1800200" cy="1800200"/>
+          </a:xfrm>
+          <a:prstGeom prst="rect">
+            <a:avLst/>
+          </a:prstGeom>
+          <a:noFill/>
+        </p:spPr>
+      </p:pic>
+      <p:pic>
+        <p:nvPicPr>
+          <p:cNvPr id="2050" name="Picture 2" descr="http://www.clker.com/cliparts/y/f/Q/i/Z/l/check-mark-md.png"/>
+          <p:cNvPicPr>
+            <a:picLocks noChangeAspect="1" noChangeArrowheads="1"/>
+          </p:cNvPicPr>
+          <p:nvPr/>
+        </p:nvPicPr>
+        <p:blipFill>
+          <a:blip r:embed="rId8" cstate="print">
+            <a:grayscl/>
+          </a:blip>
+          <a:srcRect/>
+          <a:stretch>
+            <a:fillRect/>
+          </a:stretch>
+        </p:blipFill>
+        <p:spPr bwMode="auto">
+          <a:xfrm>
+            <a:off x="6689098" y="950590"/>
+            <a:ext cx="1699326" cy="1758330"/>
+          </a:xfrm>
+          <a:prstGeom prst="rect">
+            <a:avLst/>
+          </a:prstGeom>
+          <a:noFill/>
+        </p:spPr>
+      </p:pic>
+      <p:sp>
+        <p:nvSpPr>
+          <p:cNvPr id="15" name="Прямоугольник 14"/>
+          <p:cNvSpPr/>
+          <p:nvPr/>
+        </p:nvSpPr>
+        <p:spPr>
+          <a:xfrm>
+            <a:off x="6156176" y="2843644"/>
+            <a:ext cx="2592288" cy="369332"/>
+          </a:xfrm>
+          <a:prstGeom prst="rect">
+            <a:avLst/>
+          </a:prstGeom>
+        </p:spPr>
+        <p:txBody>
+          <a:bodyPr wrap="square">
+            <a:spAutoFit/>
+          </a:bodyPr>
+          <a:lstStyle/>
+          <a:p>
+            <a:pPr algn="ctr"/>
+            <a:r>
+              <a:rPr lang="ru-RU" dirty="0" smtClean="0"/>
+              <a:t>Интеграция в один клик</a:t>
+            </a:r>
+            <a:endParaRPr lang="ru-RU" dirty="0"/>
+          </a:p>
+        </p:txBody>
+      </p:sp>
+    </p:spTree>
+  </p:cSld>
+  <p:clrMapOvr>
+    <a:masterClrMapping/>
+  </p:clrMapOvr>
+  <p:timing>
+    <p:tnLst>
+      <p:par>
+        <p:cTn id="1" dur="indefinite" restart="never" nodeType="tmRoot"/>
+      </p:par>
+    </p:tnLst>
+  </p:timing>
+</p:sld>
+</file>
+
+<file path=ppt/slides/slide11.xml><?xml version="1.0" encoding="utf-8"?>
+<p:sld xmlns:a="http://schemas.openxmlformats.org/drawingml/2006/main" xmlns:r="http://schemas.openxmlformats.org/officeDocument/2006/relationships" xmlns:p="http://schemas.openxmlformats.org/presentationml/2006/main">
+  <p:cSld>
+    <p:spTree>
+      <p:nvGrpSpPr>
+        <p:cNvPr id="1" name=""/>
+        <p:cNvGrpSpPr/>
+        <p:nvPr/>
+      </p:nvGrpSpPr>
+      <p:grpSpPr>
+        <a:xfrm>
+          <a:off x="0" y="0"/>
+          <a:ext cx="0" cy="0"/>
+          <a:chOff x="0" y="0"/>
+          <a:chExt cx="0" cy="0"/>
+        </a:xfrm>
+      </p:grpSpPr>
+      <p:pic>
+        <p:nvPicPr>
+          <p:cNvPr id="1026" name="Picture 2"/>
+          <p:cNvPicPr>
+            <a:picLocks noChangeAspect="1" noChangeArrowheads="1"/>
+          </p:cNvPicPr>
+          <p:nvPr/>
+        </p:nvPicPr>
+        <p:blipFill>
+          <a:blip r:embed="rId2" cstate="print"/>
+          <a:srcRect/>
+          <a:stretch>
+            <a:fillRect/>
+          </a:stretch>
+        </p:blipFill>
+        <p:spPr bwMode="auto">
+          <a:xfrm>
+            <a:off x="232318" y="1484784"/>
+            <a:ext cx="2971530" cy="4052087"/>
+          </a:xfrm>
+          <a:prstGeom prst="rect">
+            <a:avLst/>
+          </a:prstGeom>
+          <a:ln>
+            <a:noFill/>
+          </a:ln>
+          <a:effectLst>
+            <a:outerShdw blurRad="292100" dist="139700" dir="2700000" algn="tl" rotWithShape="0">
+              <a:srgbClr val="333333">
+                <a:alpha val="65000"/>
+              </a:srgbClr>
+            </a:outerShdw>
+          </a:effectLst>
+        </p:spPr>
+      </p:pic>
+      <p:sp>
+        <p:nvSpPr>
+          <p:cNvPr id="5" name="Заголовок 1"/>
+          <p:cNvSpPr txBox="1">
+            <a:spLocks/>
+          </p:cNvSpPr>
+          <p:nvPr/>
+        </p:nvSpPr>
+        <p:spPr>
+          <a:xfrm>
+            <a:off x="457200" y="116632"/>
+            <a:ext cx="8229600" cy="648072"/>
+          </a:xfrm>
+          <a:prstGeom prst="rect">
+            <a:avLst/>
+          </a:prstGeom>
+        </p:spPr>
+        <p:txBody>
+          <a:bodyPr vert="horz" lIns="91440" tIns="45720" rIns="91440" bIns="45720" rtlCol="0" anchor="ctr">
+            <a:normAutofit/>
+          </a:bodyPr>
+          <a:lstStyle/>
+          <a:p>
+            <a:pPr lvl="0" algn="ctr">
+              <a:spcBef>
+                <a:spcPct val="0"/>
+              </a:spcBef>
+            </a:pPr>
+            <a:r>
+              <a:rPr kumimoji="0" lang="ru-RU" sz="3200" b="0" i="0" u="none" strike="noStrike" kern="1200" cap="none" spc="0" normalizeH="0" baseline="0" noProof="0" dirty="0" smtClean="0">
+                <a:ln>
+                  <a:noFill/>
+                </a:ln>
+                <a:solidFill>
+                  <a:schemeClr val="tx1"/>
+                </a:solidFill>
+                <a:effectLst/>
+                <a:uLnTx/>
+                <a:uFillTx/>
+                <a:latin typeface="+mj-lt"/>
+                <a:ea typeface="+mj-ea"/>
+                <a:cs typeface="+mj-cs"/>
+              </a:rPr>
+              <a:t>Статьи</a:t>
+            </a:r>
+            <a:r>
+              <a:rPr kumimoji="0" lang="ru-RU" sz="3200" b="0" i="0" u="none" strike="noStrike" kern="1200" cap="none" spc="0" normalizeH="0" noProof="0" dirty="0" smtClean="0">
+                <a:ln>
+                  <a:noFill/>
+                </a:ln>
+                <a:solidFill>
+                  <a:schemeClr val="tx1"/>
+                </a:solidFill>
+                <a:effectLst/>
+                <a:uLnTx/>
+                <a:uFillTx/>
+                <a:latin typeface="+mj-lt"/>
+                <a:ea typeface="+mj-ea"/>
+                <a:cs typeface="+mj-cs"/>
+              </a:rPr>
+              <a:t> и награды</a:t>
+            </a:r>
+            <a:endParaRPr kumimoji="0" lang="ru-RU" sz="3200" b="0" i="0" u="none" strike="noStrike" kern="1200" cap="none" spc="0" normalizeH="0" baseline="0" noProof="0" dirty="0" smtClean="0">
+              <a:ln>
+                <a:noFill/>
+              </a:ln>
+              <a:solidFill>
+                <a:schemeClr val="tx1"/>
+              </a:solidFill>
+              <a:effectLst/>
+              <a:uLnTx/>
+              <a:uFillTx/>
+              <a:latin typeface="+mj-lt"/>
+              <a:ea typeface="+mj-ea"/>
+              <a:cs typeface="+mj-cs"/>
+            </a:endParaRPr>
+          </a:p>
+        </p:txBody>
+      </p:sp>
+      <p:sp>
+        <p:nvSpPr>
+          <p:cNvPr id="6" name="Прямоугольник 5"/>
+          <p:cNvSpPr/>
+          <p:nvPr/>
+        </p:nvSpPr>
+        <p:spPr>
+          <a:xfrm>
+            <a:off x="107504" y="116632"/>
+            <a:ext cx="8928992" cy="6552728"/>
+          </a:xfrm>
+          <a:prstGeom prst="rect">
+            <a:avLst/>
+          </a:prstGeom>
+          <a:noFill/>
+          <a:ln>
+            <a:solidFill>
+              <a:schemeClr val="tx1"/>
+            </a:solidFill>
+          </a:ln>
+        </p:spPr>
+        <p:style>
+          <a:lnRef idx="2">
+            <a:schemeClr val="accent1">
+              <a:shade val="50000"/>
+            </a:schemeClr>
+          </a:lnRef>
+          <a:fillRef idx="1">
+            <a:schemeClr val="accent1"/>
+          </a:fillRef>
+          <a:effectRef idx="0">
+            <a:schemeClr val="accent1"/>
+          </a:effectRef>
+          <a:fontRef idx="minor">
+            <a:schemeClr val="lt1"/>
+          </a:fontRef>
+        </p:style>
+        <p:txBody>
+          <a:bodyPr rtlCol="0" anchor="ctr"/>
+          <a:lstStyle/>
+          <a:p>
+            <a:pPr algn="ctr"/>
+            <a:endParaRPr lang="ru-RU" dirty="0"/>
+          </a:p>
+        </p:txBody>
+      </p:sp>
+      <p:pic>
+        <p:nvPicPr>
+          <p:cNvPr id="1027" name="Picture 3"/>
+          <p:cNvPicPr>
+            <a:picLocks noChangeAspect="1" noChangeArrowheads="1"/>
+          </p:cNvPicPr>
+          <p:nvPr/>
+        </p:nvPicPr>
+        <p:blipFill>
+          <a:blip r:embed="rId3" cstate="print"/>
+          <a:srcRect/>
+          <a:stretch>
+            <a:fillRect/>
+          </a:stretch>
+        </p:blipFill>
+        <p:spPr bwMode="auto">
+          <a:xfrm>
+            <a:off x="1259632" y="2132856"/>
+            <a:ext cx="3024336" cy="4262523"/>
+          </a:xfrm>
+          <a:prstGeom prst="rect">
+            <a:avLst/>
+          </a:prstGeom>
+          <a:ln>
+            <a:noFill/>
+          </a:ln>
+          <a:effectLst>
+            <a:outerShdw blurRad="292100" dist="139700" dir="2700000" algn="tl" rotWithShape="0">
+              <a:srgbClr val="333333">
+                <a:alpha val="65000"/>
+              </a:srgbClr>
+            </a:outerShdw>
+          </a:effectLst>
+        </p:spPr>
+      </p:pic>
+      <p:sp>
+        <p:nvSpPr>
+          <p:cNvPr id="8" name="Прямоугольник 7"/>
+          <p:cNvSpPr/>
+          <p:nvPr/>
+        </p:nvSpPr>
+        <p:spPr>
+          <a:xfrm>
+            <a:off x="954461" y="908720"/>
+            <a:ext cx="2969467" cy="523220"/>
+          </a:xfrm>
+          <a:prstGeom prst="rect">
+            <a:avLst/>
+          </a:prstGeom>
+        </p:spPr>
+        <p:txBody>
+          <a:bodyPr wrap="none">
+            <a:spAutoFit/>
+          </a:bodyPr>
+          <a:lstStyle/>
+          <a:p>
+            <a:pPr algn="ctr"/>
+            <a:r>
+              <a:rPr lang="ru-RU" sz="1400" dirty="0" smtClean="0">
+                <a:latin typeface="Arial" pitchFamily="34" charset="0"/>
+                <a:cs typeface="Arial" pitchFamily="34" charset="0"/>
+              </a:rPr>
+              <a:t>Сборник конференции ПИС-2015</a:t>
+            </a:r>
+          </a:p>
+          <a:p>
+            <a:pPr algn="ctr"/>
+            <a:r>
+              <a:rPr lang="ru-RU" sz="1400" dirty="0" smtClean="0">
+                <a:latin typeface="Arial" pitchFamily="34" charset="0"/>
+                <a:cs typeface="Arial" pitchFamily="34" charset="0"/>
+              </a:rPr>
+              <a:t>(2 статьи)</a:t>
+            </a:r>
+            <a:endParaRPr lang="ru-RU" sz="1400" dirty="0"/>
+          </a:p>
+        </p:txBody>
+      </p:sp>
+      <p:sp>
+        <p:nvSpPr>
+          <p:cNvPr id="9" name="Прямоугольник 8"/>
+          <p:cNvSpPr/>
+          <p:nvPr/>
+        </p:nvSpPr>
+        <p:spPr>
+          <a:xfrm>
+            <a:off x="6498632" y="960983"/>
+            <a:ext cx="1104790" cy="307777"/>
+          </a:xfrm>
+          <a:prstGeom prst="rect">
+            <a:avLst/>
+          </a:prstGeom>
+        </p:spPr>
+        <p:txBody>
+          <a:bodyPr wrap="none">
+            <a:spAutoFit/>
+          </a:bodyPr>
+          <a:lstStyle/>
+          <a:p>
+            <a:pPr algn="ctr"/>
+            <a:r>
+              <a:rPr lang="ru-RU" sz="1400" dirty="0" smtClean="0">
+                <a:latin typeface="Arial" pitchFamily="34" charset="0"/>
+                <a:cs typeface="Arial" pitchFamily="34" charset="0"/>
+              </a:rPr>
+              <a:t>СНТК 2015</a:t>
+            </a:r>
+            <a:endParaRPr lang="ru-RU" sz="1400" dirty="0"/>
+          </a:p>
+        </p:txBody>
+      </p:sp>
+      <p:pic>
+        <p:nvPicPr>
+          <p:cNvPr id="10" name="Рисунок 9" descr="1.jpg"/>
+          <p:cNvPicPr>
+            <a:picLocks noChangeAspect="1"/>
+          </p:cNvPicPr>
+          <p:nvPr/>
+        </p:nvPicPr>
+        <p:blipFill>
+          <a:blip r:embed="rId4" cstate="print">
+            <a:grayscl/>
+            <a:lum bright="20000" contrast="30000"/>
+          </a:blip>
+          <a:stretch>
+            <a:fillRect/>
+          </a:stretch>
+        </p:blipFill>
+        <p:spPr>
+          <a:xfrm>
+            <a:off x="4572000" y="1340768"/>
+            <a:ext cx="2520280" cy="3495672"/>
+          </a:xfrm>
+          <a:prstGeom prst="rect">
+            <a:avLst/>
+          </a:prstGeom>
+          <a:ln>
+            <a:noFill/>
+          </a:ln>
+          <a:effectLst>
+            <a:outerShdw blurRad="292100" dist="139700" dir="2700000" algn="tl" rotWithShape="0">
+              <a:srgbClr val="333333">
+                <a:alpha val="65000"/>
+              </a:srgbClr>
+            </a:outerShdw>
+          </a:effectLst>
+        </p:spPr>
+      </p:pic>
+      <p:pic>
+        <p:nvPicPr>
+          <p:cNvPr id="11" name="Рисунок 10" descr="2.jpg"/>
+          <p:cNvPicPr>
+            <a:picLocks noChangeAspect="1"/>
+          </p:cNvPicPr>
+          <p:nvPr/>
+        </p:nvPicPr>
+        <p:blipFill>
+          <a:blip r:embed="rId5" cstate="print">
+            <a:grayscl/>
+            <a:lum bright="20000" contrast="30000"/>
+          </a:blip>
+          <a:stretch>
+            <a:fillRect/>
+          </a:stretch>
+        </p:blipFill>
+        <p:spPr>
+          <a:xfrm>
+            <a:off x="6156176" y="2780928"/>
+            <a:ext cx="2592288" cy="3600087"/>
+          </a:xfrm>
+          <a:prstGeom prst="rect">
+            <a:avLst/>
+          </a:prstGeom>
+          <a:ln>
+            <a:noFill/>
+          </a:ln>
+          <a:effectLst>
+            <a:outerShdw blurRad="292100" dist="139700" dir="2700000" algn="tl" rotWithShape="0">
+              <a:srgbClr val="333333">
+                <a:alpha val="65000"/>
+              </a:srgbClr>
+            </a:outerShdw>
+          </a:effectLst>
+        </p:spPr>
+      </p:pic>
+    </p:spTree>
+  </p:cSld>
+  <p:clrMapOvr>
+    <a:masterClrMapping/>
+  </p:clrMapOvr>
+</p:sld>
+</file>
+
 <file path=ppt/slides/slide2.xml><?xml version="1.0" encoding="utf-8"?>
 <p:sld xmlns:a="http://schemas.openxmlformats.org/drawingml/2006/main" xmlns:r="http://schemas.openxmlformats.org/officeDocument/2006/relationships" xmlns:p="http://schemas.openxmlformats.org/presentationml/2006/main">
   <p:cSld>
@@ -3851,33 +4745,34 @@
       </p:sp>
       <p:sp>
         <p:nvSpPr>
-          <p:cNvPr id="8" name="Прямоугольник 7"/>
+          <p:cNvPr id="18" name="Прямоугольник 17"/>
           <p:cNvSpPr/>
           <p:nvPr/>
         </p:nvSpPr>
         <p:spPr>
           <a:xfrm>
-            <a:off x="827584" y="3203684"/>
-            <a:ext cx="1918539" cy="338554"/>
-          </a:xfrm>
-          <a:prstGeom prst="rect">
-            <a:avLst/>
-          </a:prstGeom>
-        </p:spPr>
-        <p:txBody>
-          <a:bodyPr wrap="none">
+            <a:off x="3851920" y="3861048"/>
+            <a:ext cx="4752528" cy="338554"/>
+          </a:xfrm>
+          <a:prstGeom prst="rect">
+            <a:avLst/>
+          </a:prstGeom>
+        </p:spPr>
+        <p:txBody>
+          <a:bodyPr wrap="square">
             <a:spAutoFit/>
           </a:bodyPr>
           <a:lstStyle/>
           <a:p>
+            <a:pPr algn="just"/>
             <a:r>
               <a:rPr lang="ru-RU" sz="1600" b="1" dirty="0" smtClean="0">
                 <a:latin typeface="Arial" pitchFamily="34" charset="0"/>
                 <a:cs typeface="Arial" pitchFamily="34" charset="0"/>
               </a:rPr>
-              <a:t>Паспорт объекта</a:t>
-            </a:r>
-            <a:endParaRPr lang="ru-RU" sz="1600" dirty="0">
+              <a:t>Библиотека для «АИС: Объектовый учет»</a:t>
+            </a:r>
+            <a:endParaRPr lang="ru-RU" sz="1600" b="1" dirty="0">
               <a:latin typeface="Arial" pitchFamily="34" charset="0"/>
               <a:cs typeface="Arial" pitchFamily="34" charset="0"/>
             </a:endParaRPr>
@@ -3886,60 +4781,14 @@
       </p:sp>
       <p:sp>
         <p:nvSpPr>
-          <p:cNvPr id="9" name="Прямоугольник 8"/>
+          <p:cNvPr id="26" name="Прямоугольник 25"/>
           <p:cNvSpPr/>
           <p:nvPr/>
         </p:nvSpPr>
         <p:spPr>
           <a:xfrm>
-            <a:off x="539552" y="5661248"/>
-            <a:ext cx="2640979" cy="584775"/>
-          </a:xfrm>
-          <a:prstGeom prst="rect">
-            <a:avLst/>
-          </a:prstGeom>
-        </p:spPr>
-        <p:txBody>
-          <a:bodyPr wrap="none">
-            <a:spAutoFit/>
-          </a:bodyPr>
-          <a:lstStyle/>
-          <a:p>
-            <a:pPr algn="ctr"/>
-            <a:r>
-              <a:rPr lang="ru-RU" sz="1600" b="1" dirty="0" smtClean="0">
-                <a:latin typeface="Arial" pitchFamily="34" charset="0"/>
-                <a:cs typeface="Arial" pitchFamily="34" charset="0"/>
-              </a:rPr>
-              <a:t>Профиль управляющей</a:t>
-            </a:r>
-          </a:p>
-          <a:p>
-            <a:pPr algn="ctr"/>
-            <a:r>
-              <a:rPr lang="ru-RU" sz="1600" b="1" dirty="0" smtClean="0">
-                <a:latin typeface="Arial" pitchFamily="34" charset="0"/>
-                <a:cs typeface="Arial" pitchFamily="34" charset="0"/>
-              </a:rPr>
-              <a:t>организации</a:t>
-            </a:r>
-            <a:endParaRPr lang="ru-RU" sz="1600" dirty="0">
-              <a:latin typeface="Arial" pitchFamily="34" charset="0"/>
-              <a:cs typeface="Arial" pitchFamily="34" charset="0"/>
-            </a:endParaRPr>
-          </a:p>
-        </p:txBody>
-      </p:sp>
-      <p:sp>
-        <p:nvSpPr>
-          <p:cNvPr id="11" name="Прямоугольник 10"/>
-          <p:cNvSpPr/>
-          <p:nvPr/>
-        </p:nvSpPr>
-        <p:spPr>
-          <a:xfrm>
-            <a:off x="323528" y="836712"/>
-            <a:ext cx="3024336" cy="5544616"/>
+            <a:off x="3707904" y="836712"/>
+            <a:ext cx="5040560" cy="5544616"/>
           </a:xfrm>
           <a:prstGeom prst="rect">
             <a:avLst/>
@@ -3978,78 +4827,13 @@
       </p:sp>
       <p:sp>
         <p:nvSpPr>
-          <p:cNvPr id="12" name="Прямоугольник 11"/>
+          <p:cNvPr id="27" name="Овал 26"/>
           <p:cNvSpPr/>
           <p:nvPr/>
         </p:nvSpPr>
         <p:spPr>
           <a:xfrm>
-            <a:off x="539552" y="971436"/>
-            <a:ext cx="2808312" cy="369332"/>
-          </a:xfrm>
-          <a:prstGeom prst="rect">
-            <a:avLst/>
-          </a:prstGeom>
-        </p:spPr>
-        <p:txBody>
-          <a:bodyPr wrap="square">
-            <a:spAutoFit/>
-          </a:bodyPr>
-          <a:lstStyle/>
-          <a:p>
-            <a:r>
-              <a:rPr lang="ru-RU" b="1" i="1" dirty="0" smtClean="0"/>
-              <a:t>Интеграция данных:</a:t>
-            </a:r>
-            <a:endParaRPr lang="ru-RU" i="1" dirty="0"/>
-          </a:p>
-        </p:txBody>
-      </p:sp>
-      <p:sp>
-        <p:nvSpPr>
-          <p:cNvPr id="18" name="Прямоугольник 17"/>
-          <p:cNvSpPr/>
-          <p:nvPr/>
-        </p:nvSpPr>
-        <p:spPr>
-          <a:xfrm>
-            <a:off x="3851920" y="3861048"/>
-            <a:ext cx="4752528" cy="338554"/>
-          </a:xfrm>
-          <a:prstGeom prst="rect">
-            <a:avLst/>
-          </a:prstGeom>
-        </p:spPr>
-        <p:txBody>
-          <a:bodyPr wrap="square">
-            <a:spAutoFit/>
-          </a:bodyPr>
-          <a:lstStyle/>
-          <a:p>
-            <a:pPr algn="just"/>
-            <a:r>
-              <a:rPr lang="ru-RU" sz="1600" b="1" dirty="0" smtClean="0">
-                <a:latin typeface="Arial" pitchFamily="34" charset="0"/>
-                <a:cs typeface="Arial" pitchFamily="34" charset="0"/>
-              </a:rPr>
-              <a:t>Библиотека для «АИС: Объектовый учет»</a:t>
-            </a:r>
-            <a:endParaRPr lang="ru-RU" sz="1600" b="1" dirty="0">
-              <a:latin typeface="Arial" pitchFamily="34" charset="0"/>
-              <a:cs typeface="Arial" pitchFamily="34" charset="0"/>
-            </a:endParaRPr>
-          </a:p>
-        </p:txBody>
-      </p:sp>
-      <p:sp>
-        <p:nvSpPr>
-          <p:cNvPr id="24" name="Овал 23"/>
-          <p:cNvSpPr/>
-          <p:nvPr/>
-        </p:nvSpPr>
-        <p:spPr>
-          <a:xfrm>
-            <a:off x="179512" y="692696"/>
+            <a:off x="3563888" y="692696"/>
             <a:ext cx="360040" cy="360040"/>
           </a:xfrm>
           <a:prstGeom prst="ellipse">
@@ -4091,7 +4875,7 @@
                   <a:schemeClr val="tx1"/>
                 </a:solidFill>
               </a:rPr>
-              <a:t>1</a:t>
+              <a:t>2</a:t>
             </a:r>
             <a:endParaRPr lang="ru-RU" b="1" dirty="0">
               <a:solidFill>
@@ -4101,25 +4885,200 @@
           </a:p>
         </p:txBody>
       </p:sp>
-      <p:sp>
-        <p:nvSpPr>
-          <p:cNvPr id="26" name="Прямоугольник 25"/>
+      <p:pic>
+        <p:nvPicPr>
+          <p:cNvPr id="7178" name="Picture 10"/>
+          <p:cNvPicPr>
+            <a:picLocks noChangeAspect="1" noChangeArrowheads="1"/>
+          </p:cNvPicPr>
+          <p:nvPr/>
+        </p:nvPicPr>
+        <p:blipFill>
+          <a:blip r:embed="rId2" cstate="print">
+            <a:grayscl/>
+          </a:blip>
+          <a:srcRect/>
+          <a:stretch>
+            <a:fillRect/>
+          </a:stretch>
+        </p:blipFill>
+        <p:spPr bwMode="auto">
+          <a:xfrm>
+            <a:off x="4283968" y="4653136"/>
+            <a:ext cx="3948525" cy="1407295"/>
+          </a:xfrm>
+          <a:prstGeom prst="rect">
+            <a:avLst/>
+          </a:prstGeom>
+          <a:ln>
+            <a:noFill/>
+          </a:ln>
+          <a:effectLst>
+            <a:softEdge rad="112500"/>
+          </a:effectLst>
+        </p:spPr>
+      </p:pic>
+      <p:sp>
+        <p:nvSpPr>
+          <p:cNvPr id="20" name="Прямоугольник 19"/>
           <p:cNvSpPr/>
           <p:nvPr/>
         </p:nvSpPr>
         <p:spPr>
           <a:xfrm>
-            <a:off x="3707904" y="836712"/>
-            <a:ext cx="5040560" cy="5544616"/>
+            <a:off x="3851920" y="1146230"/>
+            <a:ext cx="4752528" cy="338554"/>
+          </a:xfrm>
+          <a:prstGeom prst="rect">
+            <a:avLst/>
+          </a:prstGeom>
+        </p:spPr>
+        <p:txBody>
+          <a:bodyPr wrap="square">
+            <a:spAutoFit/>
+          </a:bodyPr>
+          <a:lstStyle/>
+          <a:p>
+            <a:pPr algn="just"/>
+            <a:r>
+              <a:rPr lang="ru-RU" sz="1600" b="1" dirty="0" smtClean="0">
+                <a:latin typeface="Arial" pitchFamily="34" charset="0"/>
+                <a:cs typeface="Arial" pitchFamily="34" charset="0"/>
+              </a:rPr>
+              <a:t>Взаимодействие через </a:t>
+            </a:r>
+            <a:r>
+              <a:rPr lang="en-US" sz="1600" b="1" dirty="0" smtClean="0">
+                <a:latin typeface="Arial" pitchFamily="34" charset="0"/>
+                <a:cs typeface="Arial" pitchFamily="34" charset="0"/>
+              </a:rPr>
+              <a:t>API-</a:t>
+            </a:r>
+            <a:r>
+              <a:rPr lang="ru-RU" sz="1600" b="1" dirty="0" smtClean="0">
+                <a:latin typeface="Arial" pitchFamily="34" charset="0"/>
+                <a:cs typeface="Arial" pitchFamily="34" charset="0"/>
+              </a:rPr>
+              <a:t>интерфейс</a:t>
+            </a:r>
+            <a:endParaRPr lang="ru-RU" sz="1600" b="1" dirty="0">
+              <a:latin typeface="Arial" pitchFamily="34" charset="0"/>
+              <a:cs typeface="Arial" pitchFamily="34" charset="0"/>
+            </a:endParaRPr>
+          </a:p>
+        </p:txBody>
+      </p:sp>
+      <p:pic>
+        <p:nvPicPr>
+          <p:cNvPr id="17410" name="Picture 2" descr="http://www.probasegroup.com/wp-content/uploads/2014/09/learnmore-api.png"/>
+          <p:cNvPicPr>
+            <a:picLocks noChangeAspect="1" noChangeArrowheads="1"/>
+          </p:cNvPicPr>
+          <p:nvPr/>
+        </p:nvPicPr>
+        <p:blipFill>
+          <a:blip r:embed="rId3" cstate="print">
+            <a:grayscl/>
+          </a:blip>
+          <a:srcRect/>
+          <a:stretch>
+            <a:fillRect/>
+          </a:stretch>
+        </p:blipFill>
+        <p:spPr bwMode="auto">
+          <a:xfrm>
+            <a:off x="3635896" y="1628800"/>
+            <a:ext cx="2850000" cy="1728192"/>
           </a:xfrm>
           <a:prstGeom prst="rect">
             <a:avLst/>
           </a:prstGeom>
           <a:noFill/>
+        </p:spPr>
+      </p:pic>
+      <p:pic>
+        <p:nvPicPr>
+          <p:cNvPr id="21" name="Picture 20" descr="http://www.bizagi.com/assets/images/standards-page/logo_soap.jpg"/>
+          <p:cNvPicPr>
+            <a:picLocks noChangeAspect="1" noChangeArrowheads="1"/>
+          </p:cNvPicPr>
+          <p:nvPr/>
+        </p:nvPicPr>
+        <p:blipFill>
+          <a:blip r:embed="rId4" cstate="print">
+            <a:grayscl/>
+          </a:blip>
+          <a:srcRect/>
+          <a:stretch>
+            <a:fillRect/>
+          </a:stretch>
+        </p:blipFill>
+        <p:spPr bwMode="auto">
+          <a:xfrm>
+            <a:off x="6372200" y="1844824"/>
+            <a:ext cx="2016224" cy="1324529"/>
+          </a:xfrm>
+          <a:prstGeom prst="rect">
+            <a:avLst/>
+          </a:prstGeom>
+          <a:noFill/>
+        </p:spPr>
+      </p:pic>
+      <p:pic>
+        <p:nvPicPr>
+          <p:cNvPr id="34" name="Picture 2"/>
+          <p:cNvPicPr>
+            <a:picLocks noChangeAspect="1" noChangeArrowheads="1"/>
+          </p:cNvPicPr>
+          <p:nvPr/>
+        </p:nvPicPr>
+        <p:blipFill>
+          <a:blip r:embed="rId5" cstate="print">
+            <a:grayscl/>
+          </a:blip>
+          <a:srcRect/>
+          <a:stretch>
+            <a:fillRect/>
+          </a:stretch>
+        </p:blipFill>
+        <p:spPr bwMode="auto">
+          <a:xfrm>
+            <a:off x="432048" y="1325196"/>
+            <a:ext cx="2771800" cy="2103804"/>
+          </a:xfrm>
+          <a:prstGeom prst="rect">
+            <a:avLst/>
+          </a:prstGeom>
+          <a:noFill/>
+          <a:ln w="9525">
+            <a:noFill/>
+            <a:miter lim="800000"/>
+            <a:headEnd/>
+            <a:tailEnd/>
+          </a:ln>
+        </p:spPr>
+      </p:pic>
+      <p:sp>
+        <p:nvSpPr>
+          <p:cNvPr id="35" name="Прямоугольник 34"/>
+          <p:cNvSpPr/>
+          <p:nvPr/>
+        </p:nvSpPr>
+        <p:spPr>
+          <a:xfrm>
+            <a:off x="395536" y="1196752"/>
+            <a:ext cx="2880320" cy="2304256"/>
+          </a:xfrm>
+          <a:prstGeom prst="rect">
+            <a:avLst/>
+          </a:prstGeom>
+          <a:solidFill>
+            <a:srgbClr val="FFFFFF">
+              <a:alpha val="69804"/>
+            </a:srgbClr>
+          </a:solidFill>
           <a:ln>
-            <a:solidFill>
-              <a:schemeClr val="tx1"/>
-            </a:solidFill>
+            <a:noFill/>
           </a:ln>
         </p:spPr>
         <p:style>
@@ -4147,27 +5106,61 @@
           </a:p>
         </p:txBody>
       </p:sp>
-      <p:sp>
-        <p:nvSpPr>
-          <p:cNvPr id="27" name="Овал 26"/>
+      <p:pic>
+        <p:nvPicPr>
+          <p:cNvPr id="38" name="Picture 3"/>
+          <p:cNvPicPr>
+            <a:picLocks noChangeAspect="1" noChangeArrowheads="1"/>
+          </p:cNvPicPr>
+          <p:nvPr/>
+        </p:nvPicPr>
+        <p:blipFill>
+          <a:blip r:embed="rId6" cstate="print">
+            <a:grayscl/>
+          </a:blip>
+          <a:srcRect/>
+          <a:stretch>
+            <a:fillRect/>
+          </a:stretch>
+        </p:blipFill>
+        <p:spPr bwMode="auto">
+          <a:xfrm>
+            <a:off x="291461" y="3573016"/>
+            <a:ext cx="2768371" cy="2664296"/>
+          </a:xfrm>
+          <a:prstGeom prst="rect">
+            <a:avLst/>
+          </a:prstGeom>
+          <a:noFill/>
+          <a:ln w="9525">
+            <a:noFill/>
+            <a:miter lim="800000"/>
+            <a:headEnd/>
+            <a:tailEnd/>
+          </a:ln>
+        </p:spPr>
+      </p:pic>
+      <p:sp>
+        <p:nvSpPr>
+          <p:cNvPr id="39" name="Прямоугольник 38"/>
           <p:cNvSpPr/>
           <p:nvPr/>
         </p:nvSpPr>
         <p:spPr>
           <a:xfrm>
-            <a:off x="3563888" y="692696"/>
-            <a:ext cx="360040" cy="360040"/>
-          </a:xfrm>
-          <a:prstGeom prst="ellipse">
+            <a:off x="395536" y="3645024"/>
+            <a:ext cx="2808312" cy="2664296"/>
+          </a:xfrm>
+          <a:prstGeom prst="rect">
             <a:avLst/>
           </a:prstGeom>
           <a:solidFill>
-            <a:schemeClr val="bg1"/>
+            <a:srgbClr val="FFFFFF">
+              <a:alpha val="69804"/>
+            </a:srgbClr>
           </a:solidFill>
           <a:ln>
-            <a:solidFill>
-              <a:schemeClr val="tx1"/>
-            </a:solidFill>
+            <a:noFill/>
           </a:ln>
         </p:spPr>
         <p:style>
@@ -4191,32 +5184,171 @@
           <a:lstStyle/>
           <a:p>
             <a:pPr algn="ctr"/>
-            <a:r>
-              <a:rPr lang="en-US" b="1" dirty="0" smtClean="0">
-                <a:solidFill>
-                  <a:schemeClr val="tx1"/>
-                </a:solidFill>
+            <a:endParaRPr lang="ru-RU" dirty="0"/>
+          </a:p>
+        </p:txBody>
+      </p:sp>
+      <p:sp>
+        <p:nvSpPr>
+          <p:cNvPr id="40" name="Прямоугольник 39"/>
+          <p:cNvSpPr/>
+          <p:nvPr/>
+        </p:nvSpPr>
+        <p:spPr>
+          <a:xfrm>
+            <a:off x="827584" y="3203684"/>
+            <a:ext cx="1918539" cy="338554"/>
+          </a:xfrm>
+          <a:prstGeom prst="rect">
+            <a:avLst/>
+          </a:prstGeom>
+        </p:spPr>
+        <p:txBody>
+          <a:bodyPr wrap="none">
+            <a:spAutoFit/>
+          </a:bodyPr>
+          <a:lstStyle/>
+          <a:p>
+            <a:r>
+              <a:rPr lang="ru-RU" sz="1600" b="1" dirty="0" smtClean="0">
+                <a:latin typeface="Arial" pitchFamily="34" charset="0"/>
+                <a:cs typeface="Arial" pitchFamily="34" charset="0"/>
               </a:rPr>
-              <a:t>2</a:t>
-            </a:r>
-            <a:endParaRPr lang="ru-RU" b="1" dirty="0">
-              <a:solidFill>
-                <a:schemeClr val="tx1"/>
-              </a:solidFill>
+              <a:t>Паспорт объекта</a:t>
+            </a:r>
+            <a:endParaRPr lang="ru-RU" sz="1600" dirty="0">
+              <a:latin typeface="Arial" pitchFamily="34" charset="0"/>
+              <a:cs typeface="Arial" pitchFamily="34" charset="0"/>
             </a:endParaRPr>
+          </a:p>
+        </p:txBody>
+      </p:sp>
+      <p:sp>
+        <p:nvSpPr>
+          <p:cNvPr id="41" name="Прямоугольник 40"/>
+          <p:cNvSpPr/>
+          <p:nvPr/>
+        </p:nvSpPr>
+        <p:spPr>
+          <a:xfrm>
+            <a:off x="539552" y="5661248"/>
+            <a:ext cx="2640979" cy="584775"/>
+          </a:xfrm>
+          <a:prstGeom prst="rect">
+            <a:avLst/>
+          </a:prstGeom>
+        </p:spPr>
+        <p:txBody>
+          <a:bodyPr wrap="none">
+            <a:spAutoFit/>
+          </a:bodyPr>
+          <a:lstStyle/>
+          <a:p>
+            <a:pPr algn="ctr"/>
+            <a:r>
+              <a:rPr lang="ru-RU" sz="1600" b="1" dirty="0" smtClean="0">
+                <a:latin typeface="Arial" pitchFamily="34" charset="0"/>
+                <a:cs typeface="Arial" pitchFamily="34" charset="0"/>
+              </a:rPr>
+              <a:t>Профиль управляющей</a:t>
+            </a:r>
+          </a:p>
+          <a:p>
+            <a:pPr algn="ctr"/>
+            <a:r>
+              <a:rPr lang="ru-RU" sz="1600" b="1" dirty="0" smtClean="0">
+                <a:latin typeface="Arial" pitchFamily="34" charset="0"/>
+                <a:cs typeface="Arial" pitchFamily="34" charset="0"/>
+              </a:rPr>
+              <a:t>организации</a:t>
+            </a:r>
+            <a:endParaRPr lang="ru-RU" sz="1600" dirty="0">
+              <a:latin typeface="Arial" pitchFamily="34" charset="0"/>
+              <a:cs typeface="Arial" pitchFamily="34" charset="0"/>
+            </a:endParaRPr>
+          </a:p>
+        </p:txBody>
+      </p:sp>
+      <p:sp>
+        <p:nvSpPr>
+          <p:cNvPr id="42" name="Прямоугольник 41"/>
+          <p:cNvSpPr/>
+          <p:nvPr/>
+        </p:nvSpPr>
+        <p:spPr>
+          <a:xfrm>
+            <a:off x="323528" y="836712"/>
+            <a:ext cx="3024336" cy="5544616"/>
+          </a:xfrm>
+          <a:prstGeom prst="rect">
+            <a:avLst/>
+          </a:prstGeom>
+          <a:noFill/>
+        </p:spPr>
+        <p:style>
+          <a:lnRef idx="2">
+            <a:schemeClr val="accent1">
+              <a:shade val="50000"/>
+            </a:schemeClr>
+          </a:lnRef>
+          <a:fillRef idx="1">
+            <a:schemeClr val="accent1"/>
+          </a:fillRef>
+          <a:effectRef idx="0">
+            <a:schemeClr val="accent1"/>
+          </a:effectRef>
+          <a:fontRef idx="minor">
+            <a:schemeClr val="lt1"/>
+          </a:fontRef>
+        </p:style>
+        <p:txBody>
+          <a:bodyPr rtlCol="0" anchor="ctr"/>
+          <a:lstStyle/>
+          <a:p>
+            <a:pPr algn="ctr"/>
+            <a:endParaRPr lang="ru-RU" dirty="0"/>
+          </a:p>
+        </p:txBody>
+      </p:sp>
+      <p:sp>
+        <p:nvSpPr>
+          <p:cNvPr id="43" name="Прямоугольник 42"/>
+          <p:cNvSpPr/>
+          <p:nvPr/>
+        </p:nvSpPr>
+        <p:spPr>
+          <a:xfrm>
+            <a:off x="539552" y="971436"/>
+            <a:ext cx="2808312" cy="369332"/>
+          </a:xfrm>
+          <a:prstGeom prst="rect">
+            <a:avLst/>
+          </a:prstGeom>
+        </p:spPr>
+        <p:txBody>
+          <a:bodyPr wrap="square">
+            <a:spAutoFit/>
+          </a:bodyPr>
+          <a:lstStyle/>
+          <a:p>
+            <a:r>
+              <a:rPr lang="ru-RU" b="1" i="1" dirty="0" smtClean="0"/>
+              <a:t>Интеграция данных:</a:t>
+            </a:r>
+            <a:endParaRPr lang="ru-RU" i="1" dirty="0"/>
           </a:p>
         </p:txBody>
       </p:sp>
       <p:pic>
         <p:nvPicPr>
-          <p:cNvPr id="7178" name="Picture 10"/>
+          <p:cNvPr id="44" name="Picture 8" descr="http://okna-nice.ru/images/okna_v_panelnii_dom.png"/>
           <p:cNvPicPr>
             <a:picLocks noChangeAspect="1" noChangeArrowheads="1"/>
           </p:cNvPicPr>
           <p:nvPr/>
         </p:nvPicPr>
         <p:blipFill>
-          <a:blip r:embed="rId2" cstate="print">
+          <a:blip r:embed="rId7" cstate="print">
             <a:grayscl/>
           </a:blip>
           <a:srcRect/>
@@ -4226,30 +5358,25 @@
         </p:blipFill>
         <p:spPr bwMode="auto">
           <a:xfrm>
-            <a:off x="4283968" y="4653136"/>
-            <a:ext cx="3948525" cy="1407295"/>
-          </a:xfrm>
-          <a:prstGeom prst="rect">
-            <a:avLst/>
-          </a:prstGeom>
-          <a:ln>
-            <a:noFill/>
-          </a:ln>
-          <a:effectLst>
-            <a:softEdge rad="112500"/>
-          </a:effectLst>
+            <a:off x="683568" y="1484784"/>
+            <a:ext cx="2304256" cy="1728192"/>
+          </a:xfrm>
+          <a:prstGeom prst="rect">
+            <a:avLst/>
+          </a:prstGeom>
+          <a:noFill/>
         </p:spPr>
       </p:pic>
       <p:pic>
         <p:nvPicPr>
-          <p:cNvPr id="36" name="Picture 8" descr="http://okna-nice.ru/images/okna_v_panelnii_dom.png"/>
+          <p:cNvPr id="45" name="Picture 4" descr="http://files.softicons.com/download/business-icons/desktop-business-icons-by-aha-soft/png/256x256/case.png"/>
           <p:cNvPicPr>
             <a:picLocks noChangeAspect="1" noChangeArrowheads="1"/>
           </p:cNvPicPr>
           <p:nvPr/>
         </p:nvPicPr>
         <p:blipFill>
-          <a:blip r:embed="rId3" cstate="print">
+          <a:blip r:embed="rId8" cstate="print">
             <a:grayscl/>
           </a:blip>
           <a:srcRect/>
@@ -4259,34 +5386,6 @@
         </p:blipFill>
         <p:spPr bwMode="auto">
           <a:xfrm>
-            <a:off x="611560" y="1376772"/>
-            <a:ext cx="2448272" cy="1836204"/>
-          </a:xfrm>
-          <a:prstGeom prst="rect">
-            <a:avLst/>
-          </a:prstGeom>
-          <a:noFill/>
-        </p:spPr>
-      </p:pic>
-      <p:pic>
-        <p:nvPicPr>
-          <p:cNvPr id="37" name="Picture 4" descr="http://files.softicons.com/download/business-icons/desktop-business-icons-by-aha-soft/png/256x256/case.png"/>
-          <p:cNvPicPr>
-            <a:picLocks noChangeAspect="1" noChangeArrowheads="1"/>
-          </p:cNvPicPr>
-          <p:nvPr/>
-        </p:nvPicPr>
-        <p:blipFill>
-          <a:blip r:embed="rId4" cstate="print">
-            <a:grayscl/>
-          </a:blip>
-          <a:srcRect/>
-          <a:stretch>
-            <a:fillRect/>
-          </a:stretch>
-        </p:blipFill>
-        <p:spPr bwMode="auto">
-          <a:xfrm>
             <a:off x="971600" y="3861048"/>
             <a:ext cx="1800200" cy="1800200"/>
           </a:xfrm>
@@ -4298,110 +5397,59 @@
       </p:pic>
       <p:sp>
         <p:nvSpPr>
-          <p:cNvPr id="20" name="Прямоугольник 19"/>
+          <p:cNvPr id="46" name="Овал 45"/>
           <p:cNvSpPr/>
           <p:nvPr/>
         </p:nvSpPr>
         <p:spPr>
           <a:xfrm>
-            <a:off x="3851920" y="1146230"/>
-            <a:ext cx="4752528" cy="338554"/>
-          </a:xfrm>
-          <a:prstGeom prst="rect">
-            <a:avLst/>
-          </a:prstGeom>
-        </p:spPr>
-        <p:txBody>
-          <a:bodyPr wrap="square">
-            <a:spAutoFit/>
-          </a:bodyPr>
-          <a:lstStyle/>
-          <a:p>
-            <a:pPr algn="just"/>
-            <a:r>
-              <a:rPr lang="ru-RU" sz="1600" b="1" dirty="0" smtClean="0">
-                <a:latin typeface="Arial" pitchFamily="34" charset="0"/>
-                <a:cs typeface="Arial" pitchFamily="34" charset="0"/>
+            <a:off x="179512" y="692696"/>
+            <a:ext cx="360040" cy="360040"/>
+          </a:xfrm>
+          <a:prstGeom prst="ellipse">
+            <a:avLst/>
+          </a:prstGeom>
+          <a:solidFill>
+            <a:schemeClr val="bg1"/>
+          </a:solidFill>
+        </p:spPr>
+        <p:style>
+          <a:lnRef idx="2">
+            <a:schemeClr val="accent1">
+              <a:shade val="50000"/>
+            </a:schemeClr>
+          </a:lnRef>
+          <a:fillRef idx="1">
+            <a:schemeClr val="accent1"/>
+          </a:fillRef>
+          <a:effectRef idx="0">
+            <a:schemeClr val="accent1"/>
+          </a:effectRef>
+          <a:fontRef idx="minor">
+            <a:schemeClr val="lt1"/>
+          </a:fontRef>
+        </p:style>
+        <p:txBody>
+          <a:bodyPr rtlCol="0" anchor="ctr"/>
+          <a:lstStyle/>
+          <a:p>
+            <a:pPr algn="ctr"/>
+            <a:r>
+              <a:rPr lang="en-US" b="1" dirty="0" smtClean="0">
+                <a:solidFill>
+                  <a:schemeClr val="tx1"/>
+                </a:solidFill>
               </a:rPr>
-              <a:t>Взаимодействие через </a:t>
-            </a:r>
-            <a:r>
-              <a:rPr lang="en-US" sz="1600" b="1" dirty="0" smtClean="0">
-                <a:latin typeface="Arial" pitchFamily="34" charset="0"/>
-                <a:cs typeface="Arial" pitchFamily="34" charset="0"/>
-              </a:rPr>
-              <a:t>API-</a:t>
-            </a:r>
-            <a:r>
-              <a:rPr lang="ru-RU" sz="1600" b="1" dirty="0" smtClean="0">
-                <a:latin typeface="Arial" pitchFamily="34" charset="0"/>
-                <a:cs typeface="Arial" pitchFamily="34" charset="0"/>
-              </a:rPr>
-              <a:t>интерфейс</a:t>
-            </a:r>
-            <a:endParaRPr lang="ru-RU" sz="1600" b="1" dirty="0">
-              <a:latin typeface="Arial" pitchFamily="34" charset="0"/>
-              <a:cs typeface="Arial" pitchFamily="34" charset="0"/>
+              <a:t>1</a:t>
+            </a:r>
+            <a:endParaRPr lang="ru-RU" b="1" dirty="0">
+              <a:solidFill>
+                <a:schemeClr val="tx1"/>
+              </a:solidFill>
             </a:endParaRPr>
           </a:p>
         </p:txBody>
       </p:sp>
-      <p:pic>
-        <p:nvPicPr>
-          <p:cNvPr id="17410" name="Picture 2" descr="http://www.probasegroup.com/wp-content/uploads/2014/09/learnmore-api.png"/>
-          <p:cNvPicPr>
-            <a:picLocks noChangeAspect="1" noChangeArrowheads="1"/>
-          </p:cNvPicPr>
-          <p:nvPr/>
-        </p:nvPicPr>
-        <p:blipFill>
-          <a:blip r:embed="rId5" cstate="print">
-            <a:grayscl/>
-          </a:blip>
-          <a:srcRect/>
-          <a:stretch>
-            <a:fillRect/>
-          </a:stretch>
-        </p:blipFill>
-        <p:spPr bwMode="auto">
-          <a:xfrm>
-            <a:off x="3635896" y="1628800"/>
-            <a:ext cx="2850000" cy="1728192"/>
-          </a:xfrm>
-          <a:prstGeom prst="rect">
-            <a:avLst/>
-          </a:prstGeom>
-          <a:noFill/>
-        </p:spPr>
-      </p:pic>
-      <p:pic>
-        <p:nvPicPr>
-          <p:cNvPr id="21" name="Picture 20" descr="http://www.bizagi.com/assets/images/standards-page/logo_soap.jpg"/>
-          <p:cNvPicPr>
-            <a:picLocks noChangeAspect="1" noChangeArrowheads="1"/>
-          </p:cNvPicPr>
-          <p:nvPr/>
-        </p:nvPicPr>
-        <p:blipFill>
-          <a:blip r:embed="rId6" cstate="print">
-            <a:grayscl/>
-          </a:blip>
-          <a:srcRect/>
-          <a:stretch>
-            <a:fillRect/>
-          </a:stretch>
-        </p:blipFill>
-        <p:spPr bwMode="auto">
-          <a:xfrm>
-            <a:off x="6372200" y="1844824"/>
-            <a:ext cx="2016224" cy="1324529"/>
-          </a:xfrm>
-          <a:prstGeom prst="rect">
-            <a:avLst/>
-          </a:prstGeom>
-          <a:noFill/>
-        </p:spPr>
-      </p:pic>
     </p:spTree>
   </p:cSld>
   <p:clrMapOvr>
@@ -4754,7 +5802,120 @@
       </p:grpSpPr>
       <p:sp>
         <p:nvSpPr>
-          <p:cNvPr id="4" name="Прямоугольник 3"/>
+          <p:cNvPr id="4" name="Заголовок 1"/>
+          <p:cNvSpPr txBox="1">
+            <a:spLocks/>
+          </p:cNvSpPr>
+          <p:nvPr/>
+        </p:nvSpPr>
+        <p:spPr>
+          <a:xfrm>
+            <a:off x="457200" y="116632"/>
+            <a:ext cx="8229600" cy="648072"/>
+          </a:xfrm>
+          <a:prstGeom prst="rect">
+            <a:avLst/>
+          </a:prstGeom>
+        </p:spPr>
+        <p:txBody>
+          <a:bodyPr vert="horz" lIns="91440" tIns="45720" rIns="91440" bIns="45720" rtlCol="0" anchor="ctr">
+            <a:normAutofit fontScale="92500"/>
+          </a:bodyPr>
+          <a:lstStyle/>
+          <a:p>
+            <a:pPr lvl="0" algn="ctr">
+              <a:spcBef>
+                <a:spcPct val="0"/>
+              </a:spcBef>
+            </a:pPr>
+            <a:r>
+              <a:rPr kumimoji="0" lang="ru-RU" sz="3200" b="0" i="0" u="none" strike="noStrike" kern="1200" cap="none" spc="0" normalizeH="0" baseline="0" noProof="0" dirty="0" smtClean="0">
+                <a:ln>
+                  <a:noFill/>
+                </a:ln>
+                <a:solidFill>
+                  <a:schemeClr val="tx1"/>
+                </a:solidFill>
+                <a:effectLst/>
+                <a:uLnTx/>
+                <a:uFillTx/>
+                <a:latin typeface="+mj-lt"/>
+                <a:ea typeface="+mj-ea"/>
+                <a:cs typeface="+mj-cs"/>
+              </a:rPr>
+              <a:t>Схемы</a:t>
+            </a:r>
+            <a:r>
+              <a:rPr kumimoji="0" lang="ru-RU" sz="3200" b="0" i="0" u="none" strike="noStrike" kern="1200" cap="none" spc="0" normalizeH="0" noProof="0" dirty="0" smtClean="0">
+                <a:ln>
+                  <a:noFill/>
+                </a:ln>
+                <a:solidFill>
+                  <a:schemeClr val="tx1"/>
+                </a:solidFill>
+                <a:effectLst/>
+                <a:uLnTx/>
+                <a:uFillTx/>
+                <a:latin typeface="+mj-lt"/>
+                <a:ea typeface="+mj-ea"/>
+                <a:cs typeface="+mj-cs"/>
+              </a:rPr>
+              <a:t> </a:t>
+            </a:r>
+            <a:r>
+              <a:rPr kumimoji="0" lang="ru-RU" sz="3200" b="0" i="0" u="none" strike="noStrike" kern="1200" cap="none" spc="0" normalizeH="0" noProof="0" dirty="0" smtClean="0">
+                <a:ln>
+                  <a:noFill/>
+                </a:ln>
+                <a:solidFill>
+                  <a:schemeClr val="tx1"/>
+                </a:solidFill>
+                <a:effectLst/>
+                <a:uLnTx/>
+                <a:uFillTx/>
+                <a:latin typeface="+mj-lt"/>
+                <a:ea typeface="+mj-ea"/>
+                <a:cs typeface="+mj-cs"/>
+              </a:rPr>
+              <a:t>подпрограмм процесса обмена </a:t>
+            </a:r>
+            <a:r>
+              <a:rPr kumimoji="0" lang="ru-RU" sz="3200" b="0" i="0" u="none" strike="noStrike" kern="1200" cap="none" spc="0" normalizeH="0" noProof="0" dirty="0" smtClean="0">
+                <a:ln>
+                  <a:noFill/>
+                </a:ln>
+                <a:solidFill>
+                  <a:schemeClr val="tx1"/>
+                </a:solidFill>
+                <a:effectLst/>
+                <a:uLnTx/>
+                <a:uFillTx/>
+                <a:latin typeface="+mj-lt"/>
+                <a:ea typeface="+mj-ea"/>
+                <a:cs typeface="+mj-cs"/>
+              </a:rPr>
+              <a:t>данными</a:t>
+            </a:r>
+            <a:endParaRPr kumimoji="0" lang="ru-RU" sz="3200" b="0" i="0" u="none" strike="noStrike" kern="1200" cap="none" spc="0" normalizeH="0" baseline="0" noProof="0" dirty="0" smtClean="0">
+              <a:ln>
+                <a:noFill/>
+              </a:ln>
+              <a:solidFill>
+                <a:schemeClr val="tx1"/>
+              </a:solidFill>
+              <a:effectLst/>
+              <a:uLnTx/>
+              <a:uFillTx/>
+              <a:latin typeface="+mj-lt"/>
+              <a:ea typeface="+mj-ea"/>
+              <a:cs typeface="+mj-cs"/>
+            </a:endParaRPr>
+          </a:p>
+        </p:txBody>
+      </p:sp>
+      <p:sp>
+        <p:nvSpPr>
+          <p:cNvPr id="5" name="Прямоугольник 4"/>
           <p:cNvSpPr/>
           <p:nvPr/>
         </p:nvSpPr>
@@ -4798,322 +5959,75 @@
           </a:p>
         </p:txBody>
       </p:sp>
-      <p:sp>
-        <p:nvSpPr>
-          <p:cNvPr id="5" name="Заголовок 1"/>
-          <p:cNvSpPr txBox="1">
-            <a:spLocks/>
-          </p:cNvSpPr>
-          <p:nvPr/>
-        </p:nvSpPr>
-        <p:spPr>
-          <a:xfrm>
-            <a:off x="457200" y="116632"/>
-            <a:ext cx="8229600" cy="648072"/>
-          </a:xfrm>
-          <a:prstGeom prst="rect">
-            <a:avLst/>
-          </a:prstGeom>
-        </p:spPr>
-        <p:txBody>
-          <a:bodyPr vert="horz" lIns="91440" tIns="45720" rIns="91440" bIns="45720" rtlCol="0" anchor="ctr">
-            <a:normAutofit/>
-          </a:bodyPr>
-          <a:lstStyle/>
-          <a:p>
-            <a:pPr lvl="0" algn="ctr">
-              <a:spcBef>
-                <a:spcPct val="0"/>
-              </a:spcBef>
-            </a:pPr>
-            <a:r>
-              <a:rPr lang="ru-RU" sz="3200" dirty="0" smtClean="0"/>
-              <a:t>Пользовательский интерфейс</a:t>
-            </a:r>
-            <a:endParaRPr kumimoji="0" lang="ru-RU" sz="3200" b="0" i="0" u="none" strike="noStrike" kern="1200" cap="none" spc="0" normalizeH="0" baseline="0" noProof="0" dirty="0" smtClean="0">
-              <a:ln>
-                <a:noFill/>
-              </a:ln>
-              <a:solidFill>
-                <a:schemeClr val="tx1"/>
-              </a:solidFill>
-              <a:effectLst/>
-              <a:uLnTx/>
-              <a:uFillTx/>
-              <a:latin typeface="+mj-lt"/>
-              <a:ea typeface="+mj-ea"/>
-              <a:cs typeface="+mj-cs"/>
-            </a:endParaRPr>
-          </a:p>
-        </p:txBody>
-      </p:sp>
       <p:pic>
         <p:nvPicPr>
-          <p:cNvPr id="4098" name="Picture 2"/>
+          <p:cNvPr id="2050" name="Picture 2"/>
           <p:cNvPicPr>
             <a:picLocks noChangeAspect="1" noChangeArrowheads="1"/>
           </p:cNvPicPr>
           <p:nvPr/>
         </p:nvPicPr>
         <p:blipFill>
-          <a:blip r:embed="rId2" cstate="print">
-            <a:grayscl/>
-          </a:blip>
+          <a:blip r:embed="rId2" cstate="print"/>
+          <a:srcRect/>
           <a:stretch>
             <a:fillRect/>
           </a:stretch>
         </p:blipFill>
         <p:spPr bwMode="auto">
           <a:xfrm>
-            <a:off x="323528" y="748841"/>
-            <a:ext cx="4104456" cy="2752167"/>
+            <a:off x="755576" y="726504"/>
+            <a:ext cx="2914457" cy="5870848"/>
           </a:xfrm>
           <a:prstGeom prst="rect">
             <a:avLst/>
           </a:prstGeom>
           <a:noFill/>
-          <a:ln>
-            <a:solidFill>
-              <a:schemeClr val="tx1"/>
-            </a:solidFill>
+          <a:ln w="9525">
+            <a:noFill/>
+            <a:miter lim="800000"/>
+            <a:headEnd/>
+            <a:tailEnd/>
           </a:ln>
         </p:spPr>
       </p:pic>
-      <p:sp>
-        <p:nvSpPr>
-          <p:cNvPr id="10" name="Прямоугольник 9"/>
-          <p:cNvSpPr/>
-          <p:nvPr/>
-        </p:nvSpPr>
-        <p:spPr>
-          <a:xfrm>
-            <a:off x="1475656" y="3501008"/>
-            <a:ext cx="1474443" cy="276999"/>
-          </a:xfrm>
-          <a:prstGeom prst="rect">
-            <a:avLst/>
-          </a:prstGeom>
-        </p:spPr>
-        <p:txBody>
-          <a:bodyPr wrap="none">
-            <a:spAutoFit/>
-          </a:bodyPr>
-          <a:lstStyle/>
-          <a:p>
-            <a:r>
-              <a:rPr lang="ru-RU" sz="1200" dirty="0" smtClean="0">
-                <a:latin typeface="Arial" pitchFamily="34" charset="0"/>
-                <a:cs typeface="Arial" pitchFamily="34" charset="0"/>
-              </a:rPr>
-              <a:t>Главная страница</a:t>
-            </a:r>
-            <a:endParaRPr lang="ru-RU" sz="1200" dirty="0"/>
-          </a:p>
-        </p:txBody>
-      </p:sp>
       <p:pic>
         <p:nvPicPr>
-          <p:cNvPr id="11" name="Picture 3"/>
+          <p:cNvPr id="2051" name="Picture 3"/>
           <p:cNvPicPr>
             <a:picLocks noChangeAspect="1" noChangeArrowheads="1"/>
           </p:cNvPicPr>
           <p:nvPr/>
         </p:nvPicPr>
         <p:blipFill>
-          <a:blip r:embed="rId3" cstate="print">
-            <a:grayscl/>
-          </a:blip>
+          <a:blip r:embed="rId3" cstate="print"/>
+          <a:srcRect/>
           <a:stretch>
             <a:fillRect/>
           </a:stretch>
         </p:blipFill>
         <p:spPr bwMode="auto">
           <a:xfrm>
-            <a:off x="4788024" y="754108"/>
-            <a:ext cx="3744416" cy="2765721"/>
+            <a:off x="4572000" y="980728"/>
+            <a:ext cx="3857729" cy="5229169"/>
           </a:xfrm>
           <a:prstGeom prst="rect">
             <a:avLst/>
           </a:prstGeom>
           <a:noFill/>
-          <a:ln>
-            <a:solidFill>
-              <a:schemeClr val="tx1"/>
-            </a:solidFill>
+          <a:ln w="9525">
+            <a:noFill/>
+            <a:miter lim="800000"/>
+            <a:headEnd/>
+            <a:tailEnd/>
           </a:ln>
         </p:spPr>
       </p:pic>
-      <p:sp>
-        <p:nvSpPr>
-          <p:cNvPr id="13" name="Прямоугольник 12"/>
-          <p:cNvSpPr/>
-          <p:nvPr/>
-        </p:nvSpPr>
-        <p:spPr>
-          <a:xfrm>
-            <a:off x="5220072" y="3501008"/>
-            <a:ext cx="3081293" cy="276999"/>
-          </a:xfrm>
-          <a:prstGeom prst="rect">
-            <a:avLst/>
-          </a:prstGeom>
-        </p:spPr>
-        <p:txBody>
-          <a:bodyPr wrap="none">
-            <a:spAutoFit/>
-          </a:bodyPr>
-          <a:lstStyle/>
-          <a:p>
-            <a:r>
-              <a:rPr lang="ru-RU" sz="1200" dirty="0" smtClean="0">
-                <a:latin typeface="Arial" pitchFamily="34" charset="0"/>
-                <a:cs typeface="Arial" pitchFamily="34" charset="0"/>
-              </a:rPr>
-              <a:t>Страница отображение списка запросов</a:t>
-            </a:r>
-            <a:endParaRPr lang="ru-RU" sz="1200" dirty="0"/>
-          </a:p>
-        </p:txBody>
-      </p:sp>
-      <p:pic>
-        <p:nvPicPr>
-          <p:cNvPr id="14" name="Рисунок 13"/>
-          <p:cNvPicPr/>
-          <p:nvPr/>
-        </p:nvPicPr>
-        <p:blipFill>
-          <a:blip r:embed="rId4" cstate="print">
-            <a:grayscl/>
-          </a:blip>
-          <a:stretch>
-            <a:fillRect/>
-          </a:stretch>
-        </p:blipFill>
-        <p:spPr bwMode="auto">
-          <a:xfrm>
-            <a:off x="4644008" y="3933056"/>
-            <a:ext cx="4248472" cy="2376264"/>
-          </a:xfrm>
-          <a:prstGeom prst="rect">
-            <a:avLst/>
-          </a:prstGeom>
-          <a:noFill/>
-          <a:ln>
-            <a:solidFill>
-              <a:schemeClr val="tx1"/>
-            </a:solidFill>
-          </a:ln>
-        </p:spPr>
-      </p:pic>
-      <p:sp>
-        <p:nvSpPr>
-          <p:cNvPr id="15" name="Прямоугольник 14"/>
-          <p:cNvSpPr/>
-          <p:nvPr/>
-        </p:nvSpPr>
-        <p:spPr>
-          <a:xfrm>
-            <a:off x="5436096" y="6320353"/>
-            <a:ext cx="2551852" cy="276999"/>
-          </a:xfrm>
-          <a:prstGeom prst="rect">
-            <a:avLst/>
-          </a:prstGeom>
-        </p:spPr>
-        <p:txBody>
-          <a:bodyPr wrap="none">
-            <a:spAutoFit/>
-          </a:bodyPr>
-          <a:lstStyle/>
-          <a:p>
-            <a:r>
-              <a:rPr lang="ru-RU" sz="1200" dirty="0" smtClean="0">
-                <a:latin typeface="Arial" pitchFamily="34" charset="0"/>
-                <a:cs typeface="Arial" pitchFamily="34" charset="0"/>
-              </a:rPr>
-              <a:t>Страница статистики интеграции</a:t>
-            </a:r>
-            <a:endParaRPr lang="ru-RU" sz="1200" dirty="0"/>
-          </a:p>
-        </p:txBody>
-      </p:sp>
-      <p:pic>
-        <p:nvPicPr>
-          <p:cNvPr id="16" name="Picture 4"/>
-          <p:cNvPicPr>
-            <a:picLocks noChangeAspect="1" noChangeArrowheads="1"/>
-          </p:cNvPicPr>
-          <p:nvPr/>
-        </p:nvPicPr>
-        <p:blipFill>
-          <a:blip r:embed="rId5" cstate="print">
-            <a:grayscl/>
-          </a:blip>
-          <a:stretch>
-            <a:fillRect/>
-          </a:stretch>
-        </p:blipFill>
-        <p:spPr bwMode="auto">
-          <a:xfrm>
-            <a:off x="226162" y="4365104"/>
-            <a:ext cx="4201822" cy="1800200"/>
-          </a:xfrm>
-          <a:prstGeom prst="rect">
-            <a:avLst/>
-          </a:prstGeom>
-          <a:noFill/>
-          <a:ln>
-            <a:solidFill>
-              <a:schemeClr val="tx1"/>
-            </a:solidFill>
-          </a:ln>
-        </p:spPr>
-      </p:pic>
-      <p:sp>
-        <p:nvSpPr>
-          <p:cNvPr id="17" name="Прямоугольник 16"/>
-          <p:cNvSpPr/>
-          <p:nvPr/>
-        </p:nvSpPr>
-        <p:spPr>
-          <a:xfrm>
-            <a:off x="251520" y="6165304"/>
-            <a:ext cx="4176464" cy="276999"/>
-          </a:xfrm>
-          <a:prstGeom prst="rect">
-            <a:avLst/>
-          </a:prstGeom>
-        </p:spPr>
-        <p:txBody>
-          <a:bodyPr wrap="square">
-            <a:spAutoFit/>
-          </a:bodyPr>
-          <a:lstStyle/>
-          <a:p>
-            <a:pPr algn="ctr"/>
-            <a:r>
-              <a:rPr lang="ru-RU" sz="1200" dirty="0" smtClean="0">
-                <a:latin typeface="Arial" pitchFamily="34" charset="0"/>
-                <a:cs typeface="Arial" pitchFamily="34" charset="0"/>
-              </a:rPr>
-              <a:t>Страница отображения истории вызова запроса</a:t>
-            </a:r>
-            <a:endParaRPr lang="ru-RU" sz="1200" dirty="0"/>
-          </a:p>
-        </p:txBody>
-      </p:sp>
     </p:spTree>
   </p:cSld>
   <p:clrMapOvr>
     <a:masterClrMapping/>
   </p:clrMapOvr>
-  <p:timing>
-    <p:tnLst>
-      <p:par>
-        <p:cTn id="1" dur="indefinite" restart="never" nodeType="tmRoot"/>
-      </p:par>
-    </p:tnLst>
-  </p:timing>
 </p:sld>
 </file>
 
@@ -5137,30 +6051,49 @@
       <p:sp>
         <p:nvSpPr>
           <p:cNvPr id="4" name="Заголовок 1"/>
-          <p:cNvSpPr>
-            <a:spLocks noGrp="1"/>
-          </p:cNvSpPr>
-          <p:nvPr>
-            <p:ph type="title"/>
-          </p:nvPr>
+          <p:cNvSpPr txBox="1">
+            <a:spLocks/>
+          </p:cNvSpPr>
+          <p:nvPr/>
         </p:nvSpPr>
         <p:spPr>
           <a:xfrm>
             <a:off x="457200" y="116632"/>
             <a:ext cx="8229600" cy="648072"/>
           </a:xfrm>
-        </p:spPr>
-        <p:txBody>
-          <a:bodyPr>
+          <a:prstGeom prst="rect">
+            <a:avLst/>
+          </a:prstGeom>
+        </p:spPr>
+        <p:txBody>
+          <a:bodyPr vert="horz" lIns="91440" tIns="45720" rIns="91440" bIns="45720" rtlCol="0" anchor="ctr">
             <a:normAutofit/>
           </a:bodyPr>
           <a:lstStyle/>
           <a:p>
-            <a:r>
-              <a:rPr lang="ru-RU" sz="3200" dirty="0" smtClean="0"/>
-              <a:t>Использованные технологии и аналоги</a:t>
-            </a:r>
-            <a:endParaRPr lang="ru-RU" sz="3200" dirty="0"/>
+            <a:pPr lvl="0" algn="ctr">
+              <a:spcBef>
+                <a:spcPct val="0"/>
+              </a:spcBef>
+            </a:pPr>
+            <a:r>
+              <a:rPr lang="ru-RU" sz="3200" noProof="0" dirty="0" smtClean="0"/>
+              <a:t>Схема подпрограммы привязки данных</a:t>
+            </a:r>
+            <a:endParaRPr kumimoji="0" lang="ru-RU" sz="3200" b="0" i="0" u="none" strike="noStrike" kern="1200" cap="none" spc="0" normalizeH="0" baseline="0" noProof="0" dirty="0" smtClean="0">
+              <a:ln>
+                <a:noFill/>
+              </a:ln>
+              <a:solidFill>
+                <a:schemeClr val="tx1"/>
+              </a:solidFill>
+              <a:effectLst/>
+              <a:uLnTx/>
+              <a:uFillTx/>
+              <a:latin typeface="+mj-lt"/>
+              <a:ea typeface="+mj-ea"/>
+              <a:cs typeface="+mj-cs"/>
+            </a:endParaRPr>
           </a:p>
         </p:txBody>
       </p:sp>
@@ -5212,16 +6145,14 @@
       </p:sp>
       <p:pic>
         <p:nvPicPr>
-          <p:cNvPr id="28676" name="Picture 4" descr="http://www.nareshit.in/wp-content/uploads/2013/07/Wcf.png"/>
+          <p:cNvPr id="1027" name="Picture 3"/>
           <p:cNvPicPr>
             <a:picLocks noChangeAspect="1" noChangeArrowheads="1"/>
           </p:cNvPicPr>
           <p:nvPr/>
         </p:nvPicPr>
         <p:blipFill>
-          <a:blip r:embed="rId2" cstate="print">
-            <a:grayscl/>
-          </a:blip>
+          <a:blip r:embed="rId2" cstate="print"/>
           <a:srcRect/>
           <a:stretch>
             <a:fillRect/>
@@ -5229,392 +6160,8 @@
         </p:blipFill>
         <p:spPr bwMode="auto">
           <a:xfrm>
-            <a:off x="611560" y="2420887"/>
-            <a:ext cx="1944216" cy="1105535"/>
-          </a:xfrm>
-          <a:prstGeom prst="rect">
-            <a:avLst/>
-          </a:prstGeom>
-          <a:noFill/>
-        </p:spPr>
-      </p:pic>
-      <p:pic>
-        <p:nvPicPr>
-          <p:cNvPr id="28678" name="Picture 6" descr="http://pressdev.ru/wp-content/uploads/2013/10/ms-sql-server-300x246.png"/>
-          <p:cNvPicPr>
-            <a:picLocks noChangeAspect="1" noChangeArrowheads="1"/>
-          </p:cNvPicPr>
-          <p:nvPr/>
-        </p:nvPicPr>
-        <p:blipFill>
-          <a:blip r:embed="rId3" cstate="print">
-            <a:grayscl/>
-          </a:blip>
-          <a:srcRect/>
-          <a:stretch>
-            <a:fillRect/>
-          </a:stretch>
-        </p:blipFill>
-        <p:spPr bwMode="auto">
-          <a:xfrm>
-            <a:off x="611560" y="4797151"/>
-            <a:ext cx="2016224" cy="1653305"/>
-          </a:xfrm>
-          <a:prstGeom prst="rect">
-            <a:avLst/>
-          </a:prstGeom>
-          <a:noFill/>
-        </p:spPr>
-      </p:pic>
-      <p:sp>
-        <p:nvSpPr>
-          <p:cNvPr id="28684" name="AutoShape 12" descr="http://ohdoylerules.com/content/images/css3.svg"/>
-          <p:cNvSpPr>
-            <a:spLocks noChangeAspect="1" noChangeArrowheads="1"/>
-          </p:cNvSpPr>
-          <p:nvPr/>
-        </p:nvSpPr>
-        <p:spPr bwMode="auto">
-          <a:xfrm>
-            <a:off x="155575" y="-144463"/>
-            <a:ext cx="304800" cy="304801"/>
-          </a:xfrm>
-          <a:prstGeom prst="rect">
-            <a:avLst/>
-          </a:prstGeom>
-          <a:noFill/>
-        </p:spPr>
-        <p:txBody>
-          <a:bodyPr vert="horz" wrap="square" lIns="91440" tIns="45720" rIns="91440" bIns="45720" numCol="1" anchor="t" anchorCtr="0" compatLnSpc="1">
-            <a:prstTxWarp prst="textNoShape">
-              <a:avLst/>
-            </a:prstTxWarp>
-          </a:bodyPr>
-          <a:lstStyle/>
-          <a:p>
-            <a:endParaRPr lang="ru-RU"/>
-          </a:p>
-        </p:txBody>
-      </p:sp>
-      <p:sp>
-        <p:nvSpPr>
-          <p:cNvPr id="28686" name="AutoShape 14" descr="http://ohdoylerules.com/content/images/css3.svg"/>
-          <p:cNvSpPr>
-            <a:spLocks noChangeAspect="1" noChangeArrowheads="1"/>
-          </p:cNvSpPr>
-          <p:nvPr/>
-        </p:nvSpPr>
-        <p:spPr bwMode="auto">
-          <a:xfrm>
-            <a:off x="155575" y="-144463"/>
-            <a:ext cx="304800" cy="304801"/>
-          </a:xfrm>
-          <a:prstGeom prst="rect">
-            <a:avLst/>
-          </a:prstGeom>
-          <a:noFill/>
-        </p:spPr>
-        <p:txBody>
-          <a:bodyPr vert="horz" wrap="square" lIns="91440" tIns="45720" rIns="91440" bIns="45720" numCol="1" anchor="t" anchorCtr="0" compatLnSpc="1">
-            <a:prstTxWarp prst="textNoShape">
-              <a:avLst/>
-            </a:prstTxWarp>
-          </a:bodyPr>
-          <a:lstStyle/>
-          <a:p>
-            <a:endParaRPr lang="ru-RU"/>
-          </a:p>
-        </p:txBody>
-      </p:sp>
-      <p:pic>
-        <p:nvPicPr>
-          <p:cNvPr id="28690" name="Picture 18" descr="http://www.codeproject.com/Learn/MVC/images/MVClogo.png"/>
-          <p:cNvPicPr>
-            <a:picLocks noChangeAspect="1" noChangeArrowheads="1"/>
-          </p:cNvPicPr>
-          <p:nvPr/>
-        </p:nvPicPr>
-        <p:blipFill>
-          <a:blip r:embed="rId4" cstate="print">
-            <a:grayscl/>
-          </a:blip>
-          <a:srcRect/>
-          <a:stretch>
-            <a:fillRect/>
-          </a:stretch>
-        </p:blipFill>
-        <p:spPr bwMode="auto">
-          <a:xfrm>
-            <a:off x="683568" y="3573016"/>
-            <a:ext cx="1800200" cy="1242392"/>
-          </a:xfrm>
-          <a:prstGeom prst="rect">
-            <a:avLst/>
-          </a:prstGeom>
-          <a:noFill/>
-        </p:spPr>
-      </p:pic>
-      <p:pic>
-        <p:nvPicPr>
-          <p:cNvPr id="28698" name="Picture 26" descr="http://www.softreactor.ru/sites/default/files/image/node_pics/11/razrabotki_c%23.png"/>
-          <p:cNvPicPr>
-            <a:picLocks noChangeAspect="1" noChangeArrowheads="1"/>
-          </p:cNvPicPr>
-          <p:nvPr/>
-        </p:nvPicPr>
-        <p:blipFill>
-          <a:blip r:embed="rId5" cstate="print">
-            <a:grayscl/>
-          </a:blip>
-          <a:srcRect/>
-          <a:stretch>
-            <a:fillRect/>
-          </a:stretch>
-        </p:blipFill>
-        <p:spPr bwMode="auto">
-          <a:xfrm>
-            <a:off x="683568" y="980728"/>
-            <a:ext cx="1800200" cy="1427556"/>
-          </a:xfrm>
-          <a:prstGeom prst="rect">
-            <a:avLst/>
-          </a:prstGeom>
-          <a:noFill/>
-        </p:spPr>
-      </p:pic>
-      <p:sp>
-        <p:nvSpPr>
-          <p:cNvPr id="19" name="Прямоугольник 18"/>
-          <p:cNvSpPr/>
-          <p:nvPr/>
-        </p:nvSpPr>
-        <p:spPr>
-          <a:xfrm>
-            <a:off x="323528" y="764704"/>
-            <a:ext cx="2664296" cy="5760640"/>
-          </a:xfrm>
-          <a:prstGeom prst="rect">
-            <a:avLst/>
-          </a:prstGeom>
-          <a:noFill/>
-          <a:ln>
-            <a:solidFill>
-              <a:schemeClr val="tx1"/>
-            </a:solidFill>
-          </a:ln>
-        </p:spPr>
-        <p:style>
-          <a:lnRef idx="2">
-            <a:schemeClr val="accent1">
-              <a:shade val="50000"/>
-            </a:schemeClr>
-          </a:lnRef>
-          <a:fillRef idx="1">
-            <a:schemeClr val="accent1"/>
-          </a:fillRef>
-          <a:effectRef idx="0">
-            <a:schemeClr val="accent1"/>
-          </a:effectRef>
-          <a:fontRef idx="minor">
-            <a:schemeClr val="lt1"/>
-          </a:fontRef>
-        </p:style>
-        <p:txBody>
-          <a:bodyPr rtlCol="0" anchor="ctr"/>
-          <a:lstStyle/>
-          <a:p>
-            <a:pPr algn="ctr"/>
-            <a:endParaRPr lang="ru-RU" dirty="0"/>
-          </a:p>
-        </p:txBody>
-      </p:sp>
-      <p:sp>
-        <p:nvSpPr>
-          <p:cNvPr id="20" name="Овал 19"/>
-          <p:cNvSpPr/>
-          <p:nvPr/>
-        </p:nvSpPr>
-        <p:spPr>
-          <a:xfrm>
-            <a:off x="179512" y="620688"/>
-            <a:ext cx="360040" cy="360040"/>
-          </a:xfrm>
-          <a:prstGeom prst="ellipse">
-            <a:avLst/>
-          </a:prstGeom>
-          <a:solidFill>
-            <a:schemeClr val="bg1"/>
-          </a:solidFill>
-          <a:ln>
-            <a:solidFill>
-              <a:schemeClr val="tx1"/>
-            </a:solidFill>
-          </a:ln>
-        </p:spPr>
-        <p:style>
-          <a:lnRef idx="2">
-            <a:schemeClr val="accent1">
-              <a:shade val="50000"/>
-            </a:schemeClr>
-          </a:lnRef>
-          <a:fillRef idx="1">
-            <a:schemeClr val="accent1"/>
-          </a:fillRef>
-          <a:effectRef idx="0">
-            <a:schemeClr val="accent1"/>
-          </a:effectRef>
-          <a:fontRef idx="minor">
-            <a:schemeClr val="lt1"/>
-          </a:fontRef>
-        </p:style>
-        <p:txBody>
-          <a:bodyPr rtlCol="0" anchor="ctr"/>
-          <a:lstStyle/>
-          <a:p>
-            <a:pPr algn="ctr"/>
-            <a:r>
-              <a:rPr lang="en-US" b="1" dirty="0" smtClean="0">
-                <a:solidFill>
-                  <a:schemeClr val="tx1"/>
-                </a:solidFill>
-              </a:rPr>
-              <a:t>1</a:t>
-            </a:r>
-            <a:endParaRPr lang="ru-RU" b="1" dirty="0">
-              <a:solidFill>
-                <a:schemeClr val="tx1"/>
-              </a:solidFill>
-            </a:endParaRPr>
-          </a:p>
-        </p:txBody>
-      </p:sp>
-      <p:sp>
-        <p:nvSpPr>
-          <p:cNvPr id="23" name="Прямоугольник 22"/>
-          <p:cNvSpPr/>
-          <p:nvPr/>
-        </p:nvSpPr>
-        <p:spPr>
-          <a:xfrm>
-            <a:off x="3347864" y="764704"/>
-            <a:ext cx="5472608" cy="5760640"/>
-          </a:xfrm>
-          <a:prstGeom prst="rect">
-            <a:avLst/>
-          </a:prstGeom>
-          <a:noFill/>
-          <a:ln>
-            <a:solidFill>
-              <a:schemeClr val="tx1"/>
-            </a:solidFill>
-          </a:ln>
-        </p:spPr>
-        <p:style>
-          <a:lnRef idx="2">
-            <a:schemeClr val="accent1">
-              <a:shade val="50000"/>
-            </a:schemeClr>
-          </a:lnRef>
-          <a:fillRef idx="1">
-            <a:schemeClr val="accent1"/>
-          </a:fillRef>
-          <a:effectRef idx="0">
-            <a:schemeClr val="accent1"/>
-          </a:effectRef>
-          <a:fontRef idx="minor">
-            <a:schemeClr val="lt1"/>
-          </a:fontRef>
-        </p:style>
-        <p:txBody>
-          <a:bodyPr rtlCol="0" anchor="ctr"/>
-          <a:lstStyle/>
-          <a:p>
-            <a:pPr algn="ctr"/>
-            <a:endParaRPr lang="ru-RU" dirty="0"/>
-          </a:p>
-        </p:txBody>
-      </p:sp>
-      <p:sp>
-        <p:nvSpPr>
-          <p:cNvPr id="24" name="Овал 23"/>
-          <p:cNvSpPr/>
-          <p:nvPr/>
-        </p:nvSpPr>
-        <p:spPr>
-          <a:xfrm>
-            <a:off x="3131840" y="620688"/>
-            <a:ext cx="360040" cy="360040"/>
-          </a:xfrm>
-          <a:prstGeom prst="ellipse">
-            <a:avLst/>
-          </a:prstGeom>
-          <a:solidFill>
-            <a:schemeClr val="bg1"/>
-          </a:solidFill>
-          <a:ln>
-            <a:solidFill>
-              <a:schemeClr val="tx1"/>
-            </a:solidFill>
-          </a:ln>
-        </p:spPr>
-        <p:style>
-          <a:lnRef idx="2">
-            <a:schemeClr val="accent1">
-              <a:shade val="50000"/>
-            </a:schemeClr>
-          </a:lnRef>
-          <a:fillRef idx="1">
-            <a:schemeClr val="accent1"/>
-          </a:fillRef>
-          <a:effectRef idx="0">
-            <a:schemeClr val="accent1"/>
-          </a:effectRef>
-          <a:fontRef idx="minor">
-            <a:schemeClr val="lt1"/>
-          </a:fontRef>
-        </p:style>
-        <p:txBody>
-          <a:bodyPr rtlCol="0" anchor="ctr"/>
-          <a:lstStyle/>
-          <a:p>
-            <a:pPr algn="ctr"/>
-            <a:r>
-              <a:rPr lang="ru-RU" b="1" dirty="0" smtClean="0">
-                <a:solidFill>
-                  <a:schemeClr val="tx1"/>
-                </a:solidFill>
-              </a:rPr>
-              <a:t>2</a:t>
-            </a:r>
-            <a:endParaRPr lang="ru-RU" b="1" dirty="0">
-              <a:solidFill>
-                <a:schemeClr val="tx1"/>
-              </a:solidFill>
-            </a:endParaRPr>
-          </a:p>
-        </p:txBody>
-      </p:sp>
-      <p:pic>
-        <p:nvPicPr>
-          <p:cNvPr id="1027" name="Picture 3"/>
-          <p:cNvPicPr>
-            <a:picLocks noChangeAspect="1" noChangeArrowheads="1"/>
-          </p:cNvPicPr>
-          <p:nvPr/>
-        </p:nvPicPr>
-        <p:blipFill>
-          <a:blip r:embed="rId6" cstate="print">
-            <a:grayscl/>
-          </a:blip>
-          <a:srcRect/>
-          <a:stretch>
-            <a:fillRect/>
-          </a:stretch>
-        </p:blipFill>
-        <p:spPr bwMode="auto">
-          <a:xfrm>
-            <a:off x="3419872" y="980728"/>
-            <a:ext cx="5314190" cy="5472608"/>
+            <a:off x="1259632" y="764704"/>
+            <a:ext cx="6336704" cy="5868146"/>
           </a:xfrm>
           <a:prstGeom prst="rect">
             <a:avLst/>
@@ -5633,13 +6180,6 @@
   <p:clrMapOvr>
     <a:masterClrMapping/>
   </p:clrMapOvr>
-  <p:timing>
-    <p:tnLst>
-      <p:par>
-        <p:cTn id="1" dur="indefinite" restart="never" nodeType="tmRoot"/>
-      </p:par>
-    </p:tnLst>
-  </p:timing>
 </p:sld>
 </file>
 
@@ -5662,7 +6202,37 @@
       </p:grpSpPr>
       <p:sp>
         <p:nvSpPr>
-          <p:cNvPr id="4" name="Прямоугольник 3"/>
+          <p:cNvPr id="4" name="Заголовок 1"/>
+          <p:cNvSpPr>
+            <a:spLocks noGrp="1"/>
+          </p:cNvSpPr>
+          <p:nvPr>
+            <p:ph type="title"/>
+          </p:nvPr>
+        </p:nvSpPr>
+        <p:spPr>
+          <a:xfrm>
+            <a:off x="457200" y="116632"/>
+            <a:ext cx="8229600" cy="648072"/>
+          </a:xfrm>
+        </p:spPr>
+        <p:txBody>
+          <a:bodyPr>
+            <a:normAutofit/>
+          </a:bodyPr>
+          <a:lstStyle/>
+          <a:p>
+            <a:r>
+              <a:rPr lang="ru-RU" sz="3200" dirty="0" smtClean="0"/>
+              <a:t>Использованные технологии и аналоги</a:t>
+            </a:r>
+            <a:endParaRPr lang="ru-RU" sz="3200" dirty="0"/>
+          </a:p>
+        </p:txBody>
+      </p:sp>
+      <p:sp>
+        <p:nvSpPr>
+          <p:cNvPr id="5" name="Прямоугольник 4"/>
           <p:cNvSpPr/>
           <p:nvPr/>
         </p:nvSpPr>
@@ -5706,144 +6276,9 @@
           </a:p>
         </p:txBody>
       </p:sp>
-      <p:sp>
-        <p:nvSpPr>
-          <p:cNvPr id="7" name="Заголовок 1"/>
-          <p:cNvSpPr txBox="1">
-            <a:spLocks/>
-          </p:cNvSpPr>
-          <p:nvPr/>
-        </p:nvSpPr>
-        <p:spPr>
-          <a:xfrm>
-            <a:off x="457200" y="116632"/>
-            <a:ext cx="8229600" cy="648072"/>
-          </a:xfrm>
-          <a:prstGeom prst="rect">
-            <a:avLst/>
-          </a:prstGeom>
-        </p:spPr>
-        <p:txBody>
-          <a:bodyPr vert="horz" lIns="91440" tIns="45720" rIns="91440" bIns="45720" rtlCol="0" anchor="ctr">
-            <a:normAutofit/>
-          </a:bodyPr>
-          <a:lstStyle/>
-          <a:p>
-            <a:pPr lvl="0" algn="ctr">
-              <a:spcBef>
-                <a:spcPct val="0"/>
-              </a:spcBef>
-            </a:pPr>
-            <a:r>
-              <a:rPr lang="ru-RU" sz="3200" dirty="0" smtClean="0"/>
-              <a:t>Результаты и выводы</a:t>
-            </a:r>
-            <a:endParaRPr kumimoji="0" lang="ru-RU" sz="3200" b="0" i="0" u="none" strike="noStrike" kern="1200" cap="none" spc="0" normalizeH="0" baseline="0" noProof="0" dirty="0" smtClean="0">
-              <a:ln>
-                <a:noFill/>
-              </a:ln>
-              <a:solidFill>
-                <a:schemeClr val="tx1"/>
-              </a:solidFill>
-              <a:effectLst/>
-              <a:uLnTx/>
-              <a:uFillTx/>
-              <a:latin typeface="+mj-lt"/>
-              <a:ea typeface="+mj-ea"/>
-              <a:cs typeface="+mj-cs"/>
-            </a:endParaRPr>
-          </a:p>
-        </p:txBody>
-      </p:sp>
-      <p:sp>
-        <p:nvSpPr>
-          <p:cNvPr id="8" name="Прямоугольник 7"/>
-          <p:cNvSpPr/>
-          <p:nvPr/>
-        </p:nvSpPr>
-        <p:spPr>
-          <a:xfrm>
-            <a:off x="6012160" y="5734997"/>
-            <a:ext cx="2808312" cy="646331"/>
-          </a:xfrm>
-          <a:prstGeom prst="rect">
-            <a:avLst/>
-          </a:prstGeom>
-        </p:spPr>
-        <p:txBody>
-          <a:bodyPr wrap="square">
-            <a:spAutoFit/>
-          </a:bodyPr>
-          <a:lstStyle/>
-          <a:p>
-            <a:pPr algn="ctr"/>
-            <a:r>
-              <a:rPr lang="ru-RU" dirty="0" smtClean="0">
-                <a:latin typeface="Arial" pitchFamily="34" charset="0"/>
-                <a:cs typeface="Arial" pitchFamily="34" charset="0"/>
-              </a:rPr>
-              <a:t>Актуальность</a:t>
-            </a:r>
-          </a:p>
-          <a:p>
-            <a:pPr algn="ctr"/>
-            <a:r>
-              <a:rPr lang="ru-RU" dirty="0" smtClean="0">
-                <a:latin typeface="Arial" pitchFamily="34" charset="0"/>
-                <a:cs typeface="Arial" pitchFamily="34" charset="0"/>
-              </a:rPr>
-              <a:t>данных</a:t>
-            </a:r>
-            <a:endParaRPr lang="ru-RU" dirty="0"/>
-          </a:p>
-        </p:txBody>
-      </p:sp>
-      <p:sp>
-        <p:nvSpPr>
-          <p:cNvPr id="10" name="Прямоугольник 9"/>
-          <p:cNvSpPr/>
-          <p:nvPr/>
-        </p:nvSpPr>
-        <p:spPr>
-          <a:xfrm>
-            <a:off x="369599" y="2708920"/>
-            <a:ext cx="2114169" cy="646331"/>
-          </a:xfrm>
-          <a:prstGeom prst="rect">
-            <a:avLst/>
-          </a:prstGeom>
-        </p:spPr>
-        <p:txBody>
-          <a:bodyPr wrap="none">
-            <a:spAutoFit/>
-          </a:bodyPr>
-          <a:lstStyle/>
-          <a:p>
-            <a:pPr algn="ctr"/>
-            <a:r>
-              <a:rPr lang="ru-RU" dirty="0" smtClean="0">
-                <a:latin typeface="Arial" pitchFamily="34" charset="0"/>
-                <a:cs typeface="Arial" pitchFamily="34" charset="0"/>
-              </a:rPr>
-              <a:t>299 управляющих</a:t>
-            </a:r>
-          </a:p>
-          <a:p>
-            <a:pPr algn="ctr"/>
-            <a:r>
-              <a:rPr lang="ru-RU" dirty="0" smtClean="0">
-                <a:latin typeface="Arial" pitchFamily="34" charset="0"/>
-                <a:cs typeface="Arial" pitchFamily="34" charset="0"/>
-              </a:rPr>
-              <a:t>организаций</a:t>
-            </a:r>
-            <a:endParaRPr lang="ru-RU" dirty="0"/>
-          </a:p>
-        </p:txBody>
-      </p:sp>
       <p:pic>
         <p:nvPicPr>
-          <p:cNvPr id="3074" name="Picture 2" descr="http://www.cliparthut.com/clip-arts/337/tired-person-337914.gif"/>
+          <p:cNvPr id="28676" name="Picture 4" descr="http://www.nareshit.in/wp-content/uploads/2013/07/Wcf.png"/>
           <p:cNvPicPr>
             <a:picLocks noChangeAspect="1" noChangeArrowheads="1"/>
           </p:cNvPicPr>
@@ -5860,8 +6295,8 @@
         </p:blipFill>
         <p:spPr bwMode="auto">
           <a:xfrm>
-            <a:off x="395536" y="3546660"/>
-            <a:ext cx="2185110" cy="2186596"/>
+            <a:off x="611560" y="2420887"/>
+            <a:ext cx="1944216" cy="1105535"/>
           </a:xfrm>
           <a:prstGeom prst="rect">
             <a:avLst/>
@@ -5871,7 +6306,7 @@
       </p:pic>
       <p:pic>
         <p:nvPicPr>
-          <p:cNvPr id="3076" name="Picture 4" descr="http://www.datingacademy.ru/wp-content/uploads/2010/07/happy_man_at_computer2.jpg"/>
+          <p:cNvPr id="28678" name="Picture 6" descr="http://pressdev.ru/wp-content/uploads/2013/10/ms-sql-server-300x246.png"/>
           <p:cNvPicPr>
             <a:picLocks noChangeAspect="1" noChangeArrowheads="1"/>
           </p:cNvPicPr>
@@ -5888,8 +6323,8 @@
         </p:blipFill>
         <p:spPr bwMode="auto">
           <a:xfrm>
-            <a:off x="3352101" y="3500585"/>
-            <a:ext cx="2300019" cy="2376687"/>
+            <a:off x="611560" y="4797151"/>
+            <a:ext cx="2016224" cy="1653305"/>
           </a:xfrm>
           <a:prstGeom prst="rect">
             <a:avLst/>
@@ -5899,57 +6334,67 @@
       </p:pic>
       <p:sp>
         <p:nvSpPr>
-          <p:cNvPr id="13" name="Прямоугольник 12"/>
-          <p:cNvSpPr/>
-          <p:nvPr/>
-        </p:nvSpPr>
-        <p:spPr>
-          <a:xfrm>
-            <a:off x="2987824" y="2782669"/>
-            <a:ext cx="2695097" cy="646331"/>
-          </a:xfrm>
-          <a:prstGeom prst="rect">
-            <a:avLst/>
-          </a:prstGeom>
-        </p:spPr>
-        <p:txBody>
-          <a:bodyPr wrap="none">
-            <a:spAutoFit/>
+          <p:cNvPr id="28684" name="AutoShape 12" descr="http://ohdoylerules.com/content/images/css3.svg"/>
+          <p:cNvSpPr>
+            <a:spLocks noChangeAspect="1" noChangeArrowheads="1"/>
+          </p:cNvSpPr>
+          <p:nvPr/>
+        </p:nvSpPr>
+        <p:spPr bwMode="auto">
+          <a:xfrm>
+            <a:off x="155575" y="-144463"/>
+            <a:ext cx="304800" cy="304801"/>
+          </a:xfrm>
+          <a:prstGeom prst="rect">
+            <a:avLst/>
+          </a:prstGeom>
+          <a:noFill/>
+        </p:spPr>
+        <p:txBody>
+          <a:bodyPr vert="horz" wrap="square" lIns="91440" tIns="45720" rIns="91440" bIns="45720" numCol="1" anchor="t" anchorCtr="0" compatLnSpc="1">
+            <a:prstTxWarp prst="textNoShape">
+              <a:avLst/>
+            </a:prstTxWarp>
           </a:bodyPr>
           <a:lstStyle/>
           <a:p>
-            <a:pPr algn="ctr"/>
-            <a:r>
-              <a:rPr lang="en-US" dirty="0" smtClean="0">
-                <a:latin typeface="Arial" pitchFamily="34" charset="0"/>
-                <a:cs typeface="Arial" pitchFamily="34" charset="0"/>
-              </a:rPr>
-              <a:t>6770 </a:t>
-            </a:r>
-            <a:r>
-              <a:rPr lang="ru-RU" dirty="0" smtClean="0">
-                <a:latin typeface="Arial" pitchFamily="34" charset="0"/>
-                <a:cs typeface="Arial" pitchFamily="34" charset="0"/>
-              </a:rPr>
-              <a:t>многоквартирных </a:t>
-            </a:r>
-          </a:p>
-          <a:p>
-            <a:pPr algn="ctr"/>
-            <a:r>
-              <a:rPr lang="ru-RU" dirty="0" smtClean="0">
-                <a:latin typeface="Arial" pitchFamily="34" charset="0"/>
-                <a:cs typeface="Arial" pitchFamily="34" charset="0"/>
-              </a:rPr>
-              <a:t>домов</a:t>
-            </a:r>
-            <a:endParaRPr lang="ru-RU" dirty="0"/>
+            <a:endParaRPr lang="ru-RU"/>
+          </a:p>
+        </p:txBody>
+      </p:sp>
+      <p:sp>
+        <p:nvSpPr>
+          <p:cNvPr id="28686" name="AutoShape 14" descr="http://ohdoylerules.com/content/images/css3.svg"/>
+          <p:cNvSpPr>
+            <a:spLocks noChangeAspect="1" noChangeArrowheads="1"/>
+          </p:cNvSpPr>
+          <p:nvPr/>
+        </p:nvSpPr>
+        <p:spPr bwMode="auto">
+          <a:xfrm>
+            <a:off x="155575" y="-144463"/>
+            <a:ext cx="304800" cy="304801"/>
+          </a:xfrm>
+          <a:prstGeom prst="rect">
+            <a:avLst/>
+          </a:prstGeom>
+          <a:noFill/>
+        </p:spPr>
+        <p:txBody>
+          <a:bodyPr vert="horz" wrap="square" lIns="91440" tIns="45720" rIns="91440" bIns="45720" numCol="1" anchor="t" anchorCtr="0" compatLnSpc="1">
+            <a:prstTxWarp prst="textNoShape">
+              <a:avLst/>
+            </a:prstTxWarp>
+          </a:bodyPr>
+          <a:lstStyle/>
+          <a:p>
+            <a:endParaRPr lang="ru-RU"/>
           </a:p>
         </p:txBody>
       </p:sp>
       <p:pic>
         <p:nvPicPr>
-          <p:cNvPr id="3080" name="Picture 8" descr="http://okna-nice.ru/images/okna_v_panelnii_dom.png"/>
+          <p:cNvPr id="28690" name="Picture 18" descr="http://www.codeproject.com/Learn/MVC/images/MVClogo.png"/>
           <p:cNvPicPr>
             <a:picLocks noChangeAspect="1" noChangeArrowheads="1"/>
           </p:cNvPicPr>
@@ -5966,8 +6411,8 @@
         </p:blipFill>
         <p:spPr bwMode="auto">
           <a:xfrm>
-            <a:off x="2916493" y="801216"/>
-            <a:ext cx="2735627" cy="2051720"/>
+            <a:off x="683568" y="3573016"/>
+            <a:ext cx="1800200" cy="1242392"/>
           </a:xfrm>
           <a:prstGeom prst="rect">
             <a:avLst/>
@@ -5975,42 +6420,9 @@
           <a:noFill/>
         </p:spPr>
       </p:pic>
-      <p:sp>
-        <p:nvSpPr>
-          <p:cNvPr id="16" name="Прямоугольник 15"/>
-          <p:cNvSpPr/>
-          <p:nvPr/>
-        </p:nvSpPr>
-        <p:spPr>
-          <a:xfrm>
-            <a:off x="899592" y="5879013"/>
-            <a:ext cx="4104456" cy="646331"/>
-          </a:xfrm>
-          <a:prstGeom prst="rect">
-            <a:avLst/>
-          </a:prstGeom>
-        </p:spPr>
-        <p:txBody>
-          <a:bodyPr wrap="square">
-            <a:spAutoFit/>
-          </a:bodyPr>
-          <a:lstStyle/>
-          <a:p>
-            <a:pPr algn="ctr"/>
-            <a:r>
-              <a:rPr lang="ru-RU" dirty="0" smtClean="0">
-                <a:latin typeface="Arial" pitchFamily="34" charset="0"/>
-                <a:cs typeface="Arial" pitchFamily="34" charset="0"/>
-              </a:rPr>
-              <a:t>Пользователи УК взаимодействуют только с «АИС: Объектовый учет»</a:t>
-            </a:r>
-            <a:endParaRPr lang="ru-RU" dirty="0"/>
-          </a:p>
-        </p:txBody>
-      </p:sp>
       <p:pic>
         <p:nvPicPr>
-          <p:cNvPr id="3082" name="Picture 10" descr="http://www.clker.com/cliparts/1/0/b/c/12161811981124042195jean_victor_balin_icon_arrow_right_blue.svg.hi.png"/>
+          <p:cNvPr id="28698" name="Picture 26" descr="http://www.softreactor.ru/sites/default/files/image/node_pics/11/razrabotki_c%23.png"/>
           <p:cNvPicPr>
             <a:picLocks noChangeAspect="1" noChangeArrowheads="1"/>
           </p:cNvPicPr>
@@ -6027,8 +6439,8 @@
         </p:blipFill>
         <p:spPr bwMode="auto">
           <a:xfrm>
-            <a:off x="2627784" y="4493278"/>
-            <a:ext cx="648072" cy="591906"/>
+            <a:off x="683568" y="980728"/>
+            <a:ext cx="1800200" cy="1427556"/>
           </a:xfrm>
           <a:prstGeom prst="rect">
             <a:avLst/>
@@ -6036,9 +6448,221 @@
           <a:noFill/>
         </p:spPr>
       </p:pic>
+      <p:sp>
+        <p:nvSpPr>
+          <p:cNvPr id="19" name="Прямоугольник 18"/>
+          <p:cNvSpPr/>
+          <p:nvPr/>
+        </p:nvSpPr>
+        <p:spPr>
+          <a:xfrm>
+            <a:off x="323528" y="764704"/>
+            <a:ext cx="2664296" cy="5760640"/>
+          </a:xfrm>
+          <a:prstGeom prst="rect">
+            <a:avLst/>
+          </a:prstGeom>
+          <a:noFill/>
+          <a:ln>
+            <a:solidFill>
+              <a:schemeClr val="tx1"/>
+            </a:solidFill>
+          </a:ln>
+        </p:spPr>
+        <p:style>
+          <a:lnRef idx="2">
+            <a:schemeClr val="accent1">
+              <a:shade val="50000"/>
+            </a:schemeClr>
+          </a:lnRef>
+          <a:fillRef idx="1">
+            <a:schemeClr val="accent1"/>
+          </a:fillRef>
+          <a:effectRef idx="0">
+            <a:schemeClr val="accent1"/>
+          </a:effectRef>
+          <a:fontRef idx="minor">
+            <a:schemeClr val="lt1"/>
+          </a:fontRef>
+        </p:style>
+        <p:txBody>
+          <a:bodyPr rtlCol="0" anchor="ctr"/>
+          <a:lstStyle/>
+          <a:p>
+            <a:pPr algn="ctr"/>
+            <a:endParaRPr lang="ru-RU" dirty="0"/>
+          </a:p>
+        </p:txBody>
+      </p:sp>
+      <p:sp>
+        <p:nvSpPr>
+          <p:cNvPr id="20" name="Овал 19"/>
+          <p:cNvSpPr/>
+          <p:nvPr/>
+        </p:nvSpPr>
+        <p:spPr>
+          <a:xfrm>
+            <a:off x="179512" y="620688"/>
+            <a:ext cx="360040" cy="360040"/>
+          </a:xfrm>
+          <a:prstGeom prst="ellipse">
+            <a:avLst/>
+          </a:prstGeom>
+          <a:solidFill>
+            <a:schemeClr val="bg1"/>
+          </a:solidFill>
+          <a:ln>
+            <a:solidFill>
+              <a:schemeClr val="tx1"/>
+            </a:solidFill>
+          </a:ln>
+        </p:spPr>
+        <p:style>
+          <a:lnRef idx="2">
+            <a:schemeClr val="accent1">
+              <a:shade val="50000"/>
+            </a:schemeClr>
+          </a:lnRef>
+          <a:fillRef idx="1">
+            <a:schemeClr val="accent1"/>
+          </a:fillRef>
+          <a:effectRef idx="0">
+            <a:schemeClr val="accent1"/>
+          </a:effectRef>
+          <a:fontRef idx="minor">
+            <a:schemeClr val="lt1"/>
+          </a:fontRef>
+        </p:style>
+        <p:txBody>
+          <a:bodyPr rtlCol="0" anchor="ctr"/>
+          <a:lstStyle/>
+          <a:p>
+            <a:pPr algn="ctr"/>
+            <a:r>
+              <a:rPr lang="en-US" b="1" dirty="0" smtClean="0">
+                <a:solidFill>
+                  <a:schemeClr val="tx1"/>
+                </a:solidFill>
+              </a:rPr>
+              <a:t>1</a:t>
+            </a:r>
+            <a:endParaRPr lang="ru-RU" b="1" dirty="0">
+              <a:solidFill>
+                <a:schemeClr val="tx1"/>
+              </a:solidFill>
+            </a:endParaRPr>
+          </a:p>
+        </p:txBody>
+      </p:sp>
+      <p:sp>
+        <p:nvSpPr>
+          <p:cNvPr id="23" name="Прямоугольник 22"/>
+          <p:cNvSpPr/>
+          <p:nvPr/>
+        </p:nvSpPr>
+        <p:spPr>
+          <a:xfrm>
+            <a:off x="3347864" y="764704"/>
+            <a:ext cx="5472608" cy="5760640"/>
+          </a:xfrm>
+          <a:prstGeom prst="rect">
+            <a:avLst/>
+          </a:prstGeom>
+          <a:noFill/>
+          <a:ln>
+            <a:solidFill>
+              <a:schemeClr val="tx1"/>
+            </a:solidFill>
+          </a:ln>
+        </p:spPr>
+        <p:style>
+          <a:lnRef idx="2">
+            <a:schemeClr val="accent1">
+              <a:shade val="50000"/>
+            </a:schemeClr>
+          </a:lnRef>
+          <a:fillRef idx="1">
+            <a:schemeClr val="accent1"/>
+          </a:fillRef>
+          <a:effectRef idx="0">
+            <a:schemeClr val="accent1"/>
+          </a:effectRef>
+          <a:fontRef idx="minor">
+            <a:schemeClr val="lt1"/>
+          </a:fontRef>
+        </p:style>
+        <p:txBody>
+          <a:bodyPr rtlCol="0" anchor="ctr"/>
+          <a:lstStyle/>
+          <a:p>
+            <a:pPr algn="ctr"/>
+            <a:endParaRPr lang="ru-RU" dirty="0"/>
+          </a:p>
+        </p:txBody>
+      </p:sp>
+      <p:sp>
+        <p:nvSpPr>
+          <p:cNvPr id="24" name="Овал 23"/>
+          <p:cNvSpPr/>
+          <p:nvPr/>
+        </p:nvSpPr>
+        <p:spPr>
+          <a:xfrm>
+            <a:off x="3131840" y="620688"/>
+            <a:ext cx="360040" cy="360040"/>
+          </a:xfrm>
+          <a:prstGeom prst="ellipse">
+            <a:avLst/>
+          </a:prstGeom>
+          <a:solidFill>
+            <a:schemeClr val="bg1"/>
+          </a:solidFill>
+          <a:ln>
+            <a:solidFill>
+              <a:schemeClr val="tx1"/>
+            </a:solidFill>
+          </a:ln>
+        </p:spPr>
+        <p:style>
+          <a:lnRef idx="2">
+            <a:schemeClr val="accent1">
+              <a:shade val="50000"/>
+            </a:schemeClr>
+          </a:lnRef>
+          <a:fillRef idx="1">
+            <a:schemeClr val="accent1"/>
+          </a:fillRef>
+          <a:effectRef idx="0">
+            <a:schemeClr val="accent1"/>
+          </a:effectRef>
+          <a:fontRef idx="minor">
+            <a:schemeClr val="lt1"/>
+          </a:fontRef>
+        </p:style>
+        <p:txBody>
+          <a:bodyPr rtlCol="0" anchor="ctr"/>
+          <a:lstStyle/>
+          <a:p>
+            <a:pPr algn="ctr"/>
+            <a:r>
+              <a:rPr lang="ru-RU" b="1" dirty="0" smtClean="0">
+                <a:solidFill>
+                  <a:schemeClr val="tx1"/>
+                </a:solidFill>
+              </a:rPr>
+              <a:t>2</a:t>
+            </a:r>
+            <a:endParaRPr lang="ru-RU" b="1" dirty="0">
+              <a:solidFill>
+                <a:schemeClr val="tx1"/>
+              </a:solidFill>
+            </a:endParaRPr>
+          </a:p>
+        </p:txBody>
+      </p:sp>
       <p:pic>
         <p:nvPicPr>
-          <p:cNvPr id="18" name="Picture 4" descr="http://files.softicons.com/download/business-icons/desktop-business-icons-by-aha-soft/png/256x256/case.png"/>
+          <p:cNvPr id="1027" name="Picture 3"/>
           <p:cNvPicPr>
             <a:picLocks noChangeAspect="1" noChangeArrowheads="1"/>
           </p:cNvPicPr>
@@ -6055,101 +6679,21 @@
         </p:blipFill>
         <p:spPr bwMode="auto">
           <a:xfrm>
-            <a:off x="539552" y="836712"/>
-            <a:ext cx="1800200" cy="1800200"/>
+            <a:off x="3419872" y="980728"/>
+            <a:ext cx="5314190" cy="5472608"/>
           </a:xfrm>
           <a:prstGeom prst="rect">
             <a:avLst/>
           </a:prstGeom>
           <a:noFill/>
+          <a:ln w="9525">
+            <a:noFill/>
+            <a:miter lim="800000"/>
+            <a:headEnd/>
+            <a:tailEnd/>
+          </a:ln>
         </p:spPr>
       </p:pic>
-      <p:pic>
-        <p:nvPicPr>
-          <p:cNvPr id="3088" name="Picture 16" descr="http://pngimg.com/upload/clock_PNG6611.png"/>
-          <p:cNvPicPr>
-            <a:picLocks noChangeAspect="1" noChangeArrowheads="1"/>
-          </p:cNvPicPr>
-          <p:nvPr/>
-        </p:nvPicPr>
-        <p:blipFill>
-          <a:blip r:embed="rId7" cstate="print">
-            <a:grayscl/>
-          </a:blip>
-          <a:srcRect/>
-          <a:stretch>
-            <a:fillRect/>
-          </a:stretch>
-        </p:blipFill>
-        <p:spPr bwMode="auto">
-          <a:xfrm>
-            <a:off x="6516216" y="3861048"/>
-            <a:ext cx="1800200" cy="1800200"/>
-          </a:xfrm>
-          <a:prstGeom prst="rect">
-            <a:avLst/>
-          </a:prstGeom>
-          <a:noFill/>
-        </p:spPr>
-      </p:pic>
-      <p:pic>
-        <p:nvPicPr>
-          <p:cNvPr id="2050" name="Picture 2" descr="http://www.clker.com/cliparts/y/f/Q/i/Z/l/check-mark-md.png"/>
-          <p:cNvPicPr>
-            <a:picLocks noChangeAspect="1" noChangeArrowheads="1"/>
-          </p:cNvPicPr>
-          <p:nvPr/>
-        </p:nvPicPr>
-        <p:blipFill>
-          <a:blip r:embed="rId8" cstate="print">
-            <a:grayscl/>
-          </a:blip>
-          <a:srcRect/>
-          <a:stretch>
-            <a:fillRect/>
-          </a:stretch>
-        </p:blipFill>
-        <p:spPr bwMode="auto">
-          <a:xfrm>
-            <a:off x="6689098" y="950590"/>
-            <a:ext cx="1699326" cy="1758330"/>
-          </a:xfrm>
-          <a:prstGeom prst="rect">
-            <a:avLst/>
-          </a:prstGeom>
-          <a:noFill/>
-        </p:spPr>
-      </p:pic>
-      <p:sp>
-        <p:nvSpPr>
-          <p:cNvPr id="15" name="Прямоугольник 14"/>
-          <p:cNvSpPr/>
-          <p:nvPr/>
-        </p:nvSpPr>
-        <p:spPr>
-          <a:xfrm>
-            <a:off x="6156176" y="2843644"/>
-            <a:ext cx="2592288" cy="369332"/>
-          </a:xfrm>
-          <a:prstGeom prst="rect">
-            <a:avLst/>
-          </a:prstGeom>
-        </p:spPr>
-        <p:txBody>
-          <a:bodyPr wrap="square">
-            <a:spAutoFit/>
-          </a:bodyPr>
-          <a:lstStyle/>
-          <a:p>
-            <a:pPr algn="ctr"/>
-            <a:r>
-              <a:rPr lang="ru-RU" dirty="0" smtClean="0"/>
-              <a:t>Интеграция в один клик</a:t>
-            </a:r>
-            <a:endParaRPr lang="ru-RU" dirty="0"/>
-          </a:p>
-        </p:txBody>
-      </p:sp>
     </p:spTree>
   </p:cSld>
   <p:clrMapOvr>
@@ -6182,123 +6726,9 @@
           <a:chExt cx="0" cy="0"/>
         </a:xfrm>
       </p:grpSpPr>
-      <p:pic>
-        <p:nvPicPr>
-          <p:cNvPr id="1026" name="Picture 2"/>
-          <p:cNvPicPr>
-            <a:picLocks noChangeAspect="1" noChangeArrowheads="1"/>
-          </p:cNvPicPr>
-          <p:nvPr/>
-        </p:nvPicPr>
-        <p:blipFill>
-          <a:blip r:embed="rId2" cstate="print"/>
-          <a:srcRect/>
-          <a:stretch>
-            <a:fillRect/>
-          </a:stretch>
-        </p:blipFill>
-        <p:spPr bwMode="auto">
-          <a:xfrm>
-            <a:off x="323528" y="1663030"/>
-            <a:ext cx="2298356" cy="3134122"/>
-          </a:xfrm>
-          <a:prstGeom prst="rect">
-            <a:avLst/>
-          </a:prstGeom>
-          <a:ln>
-            <a:noFill/>
-          </a:ln>
-          <a:effectLst>
-            <a:outerShdw blurRad="292100" dist="139700" dir="2700000" algn="tl" rotWithShape="0">
-              <a:srgbClr val="333333">
-                <a:alpha val="65000"/>
-              </a:srgbClr>
-            </a:outerShdw>
-          </a:effectLst>
-        </p:spPr>
-      </p:pic>
-      <p:sp>
-        <p:nvSpPr>
-          <p:cNvPr id="5" name="Заголовок 1"/>
-          <p:cNvSpPr txBox="1">
-            <a:spLocks/>
-          </p:cNvSpPr>
-          <p:nvPr/>
-        </p:nvSpPr>
-        <p:spPr>
-          <a:xfrm>
-            <a:off x="457200" y="116632"/>
-            <a:ext cx="8229600" cy="648072"/>
-          </a:xfrm>
-          <a:prstGeom prst="rect">
-            <a:avLst/>
-          </a:prstGeom>
-        </p:spPr>
-        <p:txBody>
-          <a:bodyPr vert="horz" lIns="91440" tIns="45720" rIns="91440" bIns="45720" rtlCol="0" anchor="ctr">
-            <a:normAutofit/>
-          </a:bodyPr>
-          <a:lstStyle/>
-          <a:p>
-            <a:pPr lvl="0" algn="ctr">
-              <a:spcBef>
-                <a:spcPct val="0"/>
-              </a:spcBef>
-            </a:pPr>
-            <a:r>
-              <a:rPr kumimoji="0" lang="ru-RU" sz="3200" b="0" i="0" u="none" strike="noStrike" kern="1200" cap="none" spc="0" normalizeH="0" baseline="0" noProof="0" dirty="0" smtClean="0">
-                <a:ln>
-                  <a:noFill/>
-                </a:ln>
-                <a:solidFill>
-                  <a:schemeClr val="tx1"/>
-                </a:solidFill>
-                <a:effectLst/>
-                <a:uLnTx/>
-                <a:uFillTx/>
-                <a:latin typeface="+mj-lt"/>
-                <a:ea typeface="+mj-ea"/>
-                <a:cs typeface="+mj-cs"/>
-              </a:rPr>
-              <a:t>Статьи</a:t>
-            </a:r>
-            <a:r>
-              <a:rPr kumimoji="0" lang="ru-RU" sz="3200" b="0" i="0" u="none" strike="noStrike" kern="1200" cap="none" spc="0" normalizeH="0" noProof="0" dirty="0" smtClean="0">
-                <a:ln>
-                  <a:noFill/>
-                </a:ln>
-                <a:solidFill>
-                  <a:schemeClr val="tx1"/>
-                </a:solidFill>
-                <a:effectLst/>
-                <a:uLnTx/>
-                <a:uFillTx/>
-                <a:latin typeface="+mj-lt"/>
-                <a:ea typeface="+mj-ea"/>
-                <a:cs typeface="+mj-cs"/>
-              </a:rPr>
-              <a:t> и награды</a:t>
-            </a:r>
-            <a:endParaRPr kumimoji="0" lang="ru-RU" sz="3200" b="0" i="0" u="none" strike="noStrike" kern="1200" cap="none" spc="0" normalizeH="0" baseline="0" noProof="0" dirty="0" smtClean="0">
-              <a:ln>
-                <a:noFill/>
-              </a:ln>
-              <a:solidFill>
-                <a:schemeClr val="tx1"/>
-              </a:solidFill>
-              <a:effectLst/>
-              <a:uLnTx/>
-              <a:uFillTx/>
-              <a:latin typeface="+mj-lt"/>
-              <a:ea typeface="+mj-ea"/>
-              <a:cs typeface="+mj-cs"/>
-            </a:endParaRPr>
-          </a:p>
-        </p:txBody>
-      </p:sp>
-      <p:sp>
-        <p:nvSpPr>
-          <p:cNvPr id="6" name="Прямоугольник 5"/>
+      <p:sp>
+        <p:nvSpPr>
+          <p:cNvPr id="4" name="Прямоугольник 3"/>
           <p:cNvSpPr/>
           <p:nvPr/>
         </p:nvSpPr>
@@ -6342,51 +6772,97 @@
           </a:p>
         </p:txBody>
       </p:sp>
+      <p:sp>
+        <p:nvSpPr>
+          <p:cNvPr id="5" name="Заголовок 1"/>
+          <p:cNvSpPr txBox="1">
+            <a:spLocks/>
+          </p:cNvSpPr>
+          <p:nvPr/>
+        </p:nvSpPr>
+        <p:spPr>
+          <a:xfrm>
+            <a:off x="457200" y="116632"/>
+            <a:ext cx="8229600" cy="648072"/>
+          </a:xfrm>
+          <a:prstGeom prst="rect">
+            <a:avLst/>
+          </a:prstGeom>
+        </p:spPr>
+        <p:txBody>
+          <a:bodyPr vert="horz" lIns="91440" tIns="45720" rIns="91440" bIns="45720" rtlCol="0" anchor="ctr">
+            <a:normAutofit/>
+          </a:bodyPr>
+          <a:lstStyle/>
+          <a:p>
+            <a:pPr lvl="0" algn="ctr">
+              <a:spcBef>
+                <a:spcPct val="0"/>
+              </a:spcBef>
+            </a:pPr>
+            <a:r>
+              <a:rPr lang="ru-RU" sz="3200" dirty="0" smtClean="0"/>
+              <a:t>Пользовательский интерфейс</a:t>
+            </a:r>
+            <a:endParaRPr kumimoji="0" lang="ru-RU" sz="3200" b="0" i="0" u="none" strike="noStrike" kern="1200" cap="none" spc="0" normalizeH="0" baseline="0" noProof="0" dirty="0" smtClean="0">
+              <a:ln>
+                <a:noFill/>
+              </a:ln>
+              <a:solidFill>
+                <a:schemeClr val="tx1"/>
+              </a:solidFill>
+              <a:effectLst/>
+              <a:uLnTx/>
+              <a:uFillTx/>
+              <a:latin typeface="+mj-lt"/>
+              <a:ea typeface="+mj-ea"/>
+              <a:cs typeface="+mj-cs"/>
+            </a:endParaRPr>
+          </a:p>
+        </p:txBody>
+      </p:sp>
       <p:pic>
         <p:nvPicPr>
-          <p:cNvPr id="1027" name="Picture 3"/>
+          <p:cNvPr id="4098" name="Picture 2"/>
           <p:cNvPicPr>
             <a:picLocks noChangeAspect="1" noChangeArrowheads="1"/>
           </p:cNvPicPr>
           <p:nvPr/>
         </p:nvPicPr>
         <p:blipFill>
-          <a:blip r:embed="rId3" cstate="print"/>
-          <a:srcRect/>
+          <a:blip r:embed="rId2" cstate="print">
+            <a:grayscl/>
+          </a:blip>
           <a:stretch>
             <a:fillRect/>
           </a:stretch>
         </p:blipFill>
         <p:spPr bwMode="auto">
           <a:xfrm>
-            <a:off x="1763688" y="2708920"/>
-            <a:ext cx="2248002" cy="3168352"/>
-          </a:xfrm>
-          <a:prstGeom prst="rect">
-            <a:avLst/>
-          </a:prstGeom>
+            <a:off x="323528" y="748841"/>
+            <a:ext cx="4104456" cy="2752167"/>
+          </a:xfrm>
+          <a:prstGeom prst="rect">
+            <a:avLst/>
+          </a:prstGeom>
+          <a:noFill/>
           <a:ln>
-            <a:noFill/>
+            <a:solidFill>
+              <a:schemeClr val="tx1"/>
+            </a:solidFill>
           </a:ln>
-          <a:effectLst>
-            <a:outerShdw blurRad="292100" dist="139700" dir="2700000" algn="tl" rotWithShape="0">
-              <a:srgbClr val="333333">
-                <a:alpha val="65000"/>
-              </a:srgbClr>
-            </a:outerShdw>
-          </a:effectLst>
         </p:spPr>
       </p:pic>
       <p:sp>
         <p:nvSpPr>
-          <p:cNvPr id="8" name="Прямоугольник 7"/>
+          <p:cNvPr id="10" name="Прямоугольник 9"/>
           <p:cNvSpPr/>
           <p:nvPr/>
         </p:nvSpPr>
         <p:spPr>
           <a:xfrm>
-            <a:off x="954461" y="908720"/>
-            <a:ext cx="2969467" cy="523220"/>
+            <a:off x="1475656" y="3501008"/>
+            <a:ext cx="1474443" cy="276999"/>
           </a:xfrm>
           <a:prstGeom prst="rect">
             <a:avLst/>
@@ -6398,38 +6874,121 @@
           </a:bodyPr>
           <a:lstStyle/>
           <a:p>
-            <a:pPr algn="ctr"/>
-            <a:r>
-              <a:rPr lang="ru-RU" sz="1400" dirty="0" smtClean="0">
+            <a:r>
+              <a:rPr lang="ru-RU" sz="1200" dirty="0" smtClean="0">
                 <a:latin typeface="Arial" pitchFamily="34" charset="0"/>
                 <a:cs typeface="Arial" pitchFamily="34" charset="0"/>
               </a:rPr>
-              <a:t>Сборник конференции ПИС-2015</a:t>
-            </a:r>
-          </a:p>
-          <a:p>
-            <a:pPr algn="ctr"/>
-            <a:r>
-              <a:rPr lang="ru-RU" sz="1400" dirty="0" smtClean="0">
+              <a:t>Главная страница</a:t>
+            </a:r>
+            <a:endParaRPr lang="ru-RU" sz="1200" dirty="0"/>
+          </a:p>
+        </p:txBody>
+      </p:sp>
+      <p:pic>
+        <p:nvPicPr>
+          <p:cNvPr id="11" name="Picture 3"/>
+          <p:cNvPicPr>
+            <a:picLocks noChangeAspect="1" noChangeArrowheads="1"/>
+          </p:cNvPicPr>
+          <p:nvPr/>
+        </p:nvPicPr>
+        <p:blipFill>
+          <a:blip r:embed="rId3" cstate="print">
+            <a:grayscl/>
+          </a:blip>
+          <a:stretch>
+            <a:fillRect/>
+          </a:stretch>
+        </p:blipFill>
+        <p:spPr bwMode="auto">
+          <a:xfrm>
+            <a:off x="4788024" y="754108"/>
+            <a:ext cx="3744416" cy="2765721"/>
+          </a:xfrm>
+          <a:prstGeom prst="rect">
+            <a:avLst/>
+          </a:prstGeom>
+          <a:noFill/>
+          <a:ln>
+            <a:solidFill>
+              <a:schemeClr val="tx1"/>
+            </a:solidFill>
+          </a:ln>
+        </p:spPr>
+      </p:pic>
+      <p:sp>
+        <p:nvSpPr>
+          <p:cNvPr id="13" name="Прямоугольник 12"/>
+          <p:cNvSpPr/>
+          <p:nvPr/>
+        </p:nvSpPr>
+        <p:spPr>
+          <a:xfrm>
+            <a:off x="5220072" y="3501008"/>
+            <a:ext cx="3081293" cy="276999"/>
+          </a:xfrm>
+          <a:prstGeom prst="rect">
+            <a:avLst/>
+          </a:prstGeom>
+        </p:spPr>
+        <p:txBody>
+          <a:bodyPr wrap="none">
+            <a:spAutoFit/>
+          </a:bodyPr>
+          <a:lstStyle/>
+          <a:p>
+            <a:r>
+              <a:rPr lang="ru-RU" sz="1200" dirty="0" smtClean="0">
                 <a:latin typeface="Arial" pitchFamily="34" charset="0"/>
                 <a:cs typeface="Arial" pitchFamily="34" charset="0"/>
               </a:rPr>
-              <a:t>(2 статьи)</a:t>
-            </a:r>
-            <a:endParaRPr lang="ru-RU" sz="1400" dirty="0"/>
-          </a:p>
-        </p:txBody>
-      </p:sp>
-      <p:sp>
-        <p:nvSpPr>
-          <p:cNvPr id="9" name="Прямоугольник 8"/>
+              <a:t>Страница отображение списка запросов</a:t>
+            </a:r>
+            <a:endParaRPr lang="ru-RU" sz="1200" dirty="0"/>
+          </a:p>
+        </p:txBody>
+      </p:sp>
+      <p:pic>
+        <p:nvPicPr>
+          <p:cNvPr id="14" name="Рисунок 13"/>
+          <p:cNvPicPr/>
+          <p:nvPr/>
+        </p:nvPicPr>
+        <p:blipFill>
+          <a:blip r:embed="rId4" cstate="print">
+            <a:grayscl/>
+          </a:blip>
+          <a:stretch>
+            <a:fillRect/>
+          </a:stretch>
+        </p:blipFill>
+        <p:spPr bwMode="auto">
+          <a:xfrm>
+            <a:off x="4644008" y="3933056"/>
+            <a:ext cx="4248472" cy="2376264"/>
+          </a:xfrm>
+          <a:prstGeom prst="rect">
+            <a:avLst/>
+          </a:prstGeom>
+          <a:noFill/>
+          <a:ln>
+            <a:solidFill>
+              <a:schemeClr val="tx1"/>
+            </a:solidFill>
+          </a:ln>
+        </p:spPr>
+      </p:pic>
+      <p:sp>
+        <p:nvSpPr>
+          <p:cNvPr id="15" name="Прямоугольник 14"/>
           <p:cNvSpPr/>
           <p:nvPr/>
         </p:nvSpPr>
         <p:spPr>
           <a:xfrm>
-            <a:off x="6498632" y="960983"/>
-            <a:ext cx="1104790" cy="307777"/>
+            <a:off x="5436096" y="6320353"/>
+            <a:ext cx="2551852" cy="276999"/>
           </a:xfrm>
           <a:prstGeom prst="rect">
             <a:avLst/>
@@ -6441,15 +7000,79 @@
           </a:bodyPr>
           <a:lstStyle/>
           <a:p>
-            <a:pPr algn="ctr"/>
-            <a:r>
-              <a:rPr lang="ru-RU" sz="1400" dirty="0" smtClean="0">
+            <a:r>
+              <a:rPr lang="ru-RU" sz="1200" dirty="0" smtClean="0">
                 <a:latin typeface="Arial" pitchFamily="34" charset="0"/>
                 <a:cs typeface="Arial" pitchFamily="34" charset="0"/>
               </a:rPr>
-              <a:t>СНТК 2015</a:t>
-            </a:r>
-            <a:endParaRPr lang="ru-RU" sz="1400" dirty="0"/>
+              <a:t>Страница статистики интеграции</a:t>
+            </a:r>
+            <a:endParaRPr lang="ru-RU" sz="1200" dirty="0"/>
+          </a:p>
+        </p:txBody>
+      </p:sp>
+      <p:pic>
+        <p:nvPicPr>
+          <p:cNvPr id="16" name="Picture 4"/>
+          <p:cNvPicPr>
+            <a:picLocks noChangeAspect="1" noChangeArrowheads="1"/>
+          </p:cNvPicPr>
+          <p:nvPr/>
+        </p:nvPicPr>
+        <p:blipFill>
+          <a:blip r:embed="rId5" cstate="print">
+            <a:grayscl/>
+          </a:blip>
+          <a:stretch>
+            <a:fillRect/>
+          </a:stretch>
+        </p:blipFill>
+        <p:spPr bwMode="auto">
+          <a:xfrm>
+            <a:off x="226162" y="4365104"/>
+            <a:ext cx="4201822" cy="1800200"/>
+          </a:xfrm>
+          <a:prstGeom prst="rect">
+            <a:avLst/>
+          </a:prstGeom>
+          <a:noFill/>
+          <a:ln>
+            <a:solidFill>
+              <a:schemeClr val="tx1"/>
+            </a:solidFill>
+          </a:ln>
+        </p:spPr>
+      </p:pic>
+      <p:sp>
+        <p:nvSpPr>
+          <p:cNvPr id="17" name="Прямоугольник 16"/>
+          <p:cNvSpPr/>
+          <p:nvPr/>
+        </p:nvSpPr>
+        <p:spPr>
+          <a:xfrm>
+            <a:off x="251520" y="6165304"/>
+            <a:ext cx="4176464" cy="276999"/>
+          </a:xfrm>
+          <a:prstGeom prst="rect">
+            <a:avLst/>
+          </a:prstGeom>
+        </p:spPr>
+        <p:txBody>
+          <a:bodyPr wrap="square">
+            <a:spAutoFit/>
+          </a:bodyPr>
+          <a:lstStyle/>
+          <a:p>
+            <a:pPr algn="ctr"/>
+            <a:r>
+              <a:rPr lang="ru-RU" sz="1200" dirty="0" smtClean="0">
+                <a:latin typeface="Arial" pitchFamily="34" charset="0"/>
+                <a:cs typeface="Arial" pitchFamily="34" charset="0"/>
+              </a:rPr>
+              <a:t>Страница отображения истории вызова запроса</a:t>
+            </a:r>
+            <a:endParaRPr lang="ru-RU" sz="1200" dirty="0"/>
           </a:p>
         </p:txBody>
       </p:sp>
@@ -6458,6 +7081,13 @@
   <p:clrMapOvr>
     <a:masterClrMapping/>
   </p:clrMapOvr>
+  <p:timing>
+    <p:tnLst>
+      <p:par>
+        <p:cTn id="1" dur="indefinite" restart="never" nodeType="tmRoot"/>
+      </p:par>
+    </p:tnLst>
+  </p:timing>
 </p:sld>
 </file>
 

--- a/Презентация/Боевая/Раздатка.pptx
+++ b/Презентация/Боевая/Раздатка.pptx
@@ -5860,41 +5860,7 @@
                 <a:ea typeface="+mj-ea"/>
                 <a:cs typeface="+mj-cs"/>
               </a:rPr>
-              <a:t> </a:t>
-            </a:r>
-            <a:r>
-              <a:rPr kumimoji="0" lang="ru-RU" sz="3200" b="0" i="0" u="none" strike="noStrike" kern="1200" cap="none" spc="0" normalizeH="0" noProof="0" dirty="0" smtClean="0">
-                <a:ln>
-                  <a:noFill/>
-                </a:ln>
-                <a:solidFill>
-                  <a:schemeClr val="tx1"/>
-                </a:solidFill>
-                <a:effectLst/>
-                <a:uLnTx/>
-                <a:uFillTx/>
-                <a:latin typeface="+mj-lt"/>
-                <a:ea typeface="+mj-ea"/>
-                <a:cs typeface="+mj-cs"/>
-              </a:rPr>
-              <a:t>подпрограмм процесса обмена </a:t>
-            </a:r>
-            <a:r>
-              <a:rPr kumimoji="0" lang="ru-RU" sz="3200" b="0" i="0" u="none" strike="noStrike" kern="1200" cap="none" spc="0" normalizeH="0" noProof="0" dirty="0" smtClean="0">
-                <a:ln>
-                  <a:noFill/>
-                </a:ln>
-                <a:solidFill>
-                  <a:schemeClr val="tx1"/>
-                </a:solidFill>
-                <a:effectLst/>
-                <a:uLnTx/>
-                <a:uFillTx/>
-                <a:latin typeface="+mj-lt"/>
-                <a:ea typeface="+mj-ea"/>
-                <a:cs typeface="+mj-cs"/>
-              </a:rPr>
-              <a:t>данными</a:t>
+              <a:t> подпрограмм процесса обмена данными</a:t>
             </a:r>
             <a:endParaRPr kumimoji="0" lang="ru-RU" sz="3200" b="0" i="0" u="none" strike="noStrike" kern="1200" cap="none" spc="0" normalizeH="0" baseline="0" noProof="0" dirty="0" smtClean="0">
               <a:ln>

--- a/Презентация/Боевая/Раздатка.pptx
+++ b/Презентация/Боевая/Раздатка.pptx
@@ -3096,21 +3096,7 @@
                 <a:latin typeface="Arial" pitchFamily="34" charset="0"/>
                 <a:cs typeface="Arial" pitchFamily="34" charset="0"/>
               </a:rPr>
-              <a:t>Подсистема интеграции для</a:t>
-            </a:r>
-            <a:r>
-              <a:rPr lang="en-US" sz="3600" dirty="0" smtClean="0">
-                <a:latin typeface="Arial" pitchFamily="34" charset="0"/>
-                <a:cs typeface="Arial" pitchFamily="34" charset="0"/>
-              </a:rPr>
-              <a:t> </a:t>
-            </a:r>
-            <a:r>
-              <a:rPr lang="ru-RU" sz="3600" dirty="0" smtClean="0">
-                <a:latin typeface="Arial" pitchFamily="34" charset="0"/>
-                <a:cs typeface="Arial" pitchFamily="34" charset="0"/>
-              </a:rPr>
-              <a:t>«АИС: Объектовый учет» с федеральным порталом «Реформа ЖКХ»</a:t>
+              <a:t>Подсистема интеграции с федеральной системой «Реформа ЖКХ» для «АИС: Объектовый учет»</a:t>
             </a:r>
             <a:endParaRPr lang="ru-RU" sz="3600" dirty="0">
               <a:latin typeface="Arial" pitchFamily="34" charset="0"/>
